--- a/Cool dataset presentation.pptx
+++ b/Cool dataset presentation.pptx
@@ -5,34 +5,35 @@
     <p:sldMasterId id="2147483698" r:id="rId1"/>
   </p:sldMasterIdLst>
   <p:notesMasterIdLst>
-    <p:notesMasterId r:id="rId12"/>
+    <p:notesMasterId r:id="rId13"/>
   </p:notesMasterIdLst>
   <p:sldIdLst>
     <p:sldId id="256" r:id="rId2"/>
-    <p:sldId id="342" r:id="rId3"/>
+    <p:sldId id="351" r:id="rId3"/>
     <p:sldId id="257" r:id="rId4"/>
     <p:sldId id="346" r:id="rId5"/>
     <p:sldId id="348" r:id="rId6"/>
-    <p:sldId id="344" r:id="rId7"/>
-    <p:sldId id="343" r:id="rId8"/>
-    <p:sldId id="345" r:id="rId9"/>
-    <p:sldId id="260" r:id="rId10"/>
-    <p:sldId id="349" r:id="rId11"/>
+    <p:sldId id="342" r:id="rId7"/>
+    <p:sldId id="344" r:id="rId8"/>
+    <p:sldId id="343" r:id="rId9"/>
+    <p:sldId id="345" r:id="rId10"/>
+    <p:sldId id="260" r:id="rId11"/>
+    <p:sldId id="349" r:id="rId12"/>
   </p:sldIdLst>
   <p:sldSz cx="9144000" cy="5143500" type="screen16x9"/>
   <p:notesSz cx="6858000" cy="9144000"/>
   <p:embeddedFontLst>
     <p:embeddedFont>
       <p:font typeface="DM Serif Display" pitchFamily="2" charset="0"/>
-      <p:regular r:id="rId13"/>
-      <p:italic r:id="rId14"/>
+      <p:regular r:id="rId14"/>
+      <p:italic r:id="rId15"/>
     </p:embeddedFont>
     <p:embeddedFont>
       <p:font typeface="Karla" pitchFamily="2" charset="0"/>
-      <p:regular r:id="rId15"/>
-      <p:bold r:id="rId16"/>
-      <p:italic r:id="rId17"/>
-      <p:boldItalic r:id="rId18"/>
+      <p:regular r:id="rId16"/>
+      <p:bold r:id="rId17"/>
+      <p:italic r:id="rId18"/>
+      <p:boldItalic r:id="rId19"/>
     </p:embeddedFont>
   </p:embeddedFontLst>
   <p:defaultTextStyle>
@@ -833,6 +834,110 @@
   <p:cSld>
     <p:spTree>
       <p:nvGrpSpPr>
+        <p:cNvPr id="1" name="Shape 536"/>
+        <p:cNvGrpSpPr/>
+        <p:nvPr/>
+      </p:nvGrpSpPr>
+      <p:grpSpPr>
+        <a:xfrm>
+          <a:off x="0" y="0"/>
+          <a:ext cx="0" cy="0"/>
+          <a:chOff x="0" y="0"/>
+          <a:chExt cx="0" cy="0"/>
+        </a:xfrm>
+      </p:grpSpPr>
+      <p:sp>
+        <p:nvSpPr>
+          <p:cNvPr id="537" name="Google Shape;537;gd3c3787e4d_0_56:notes"/>
+          <p:cNvSpPr>
+            <a:spLocks noGrp="1" noRot="1" noChangeAspect="1"/>
+          </p:cNvSpPr>
+          <p:nvPr>
+            <p:ph type="sldImg" idx="2"/>
+          </p:nvPr>
+        </p:nvSpPr>
+        <p:spPr>
+          <a:xfrm>
+            <a:off x="381000" y="685800"/>
+            <a:ext cx="6096000" cy="3429000"/>
+          </a:xfrm>
+          <a:custGeom>
+            <a:avLst/>
+            <a:gdLst/>
+            <a:ahLst/>
+            <a:cxnLst/>
+            <a:rect l="l" t="t" r="r" b="b"/>
+            <a:pathLst>
+              <a:path w="120000" h="120000" extrusionOk="0">
+                <a:moveTo>
+                  <a:pt x="0" y="0"/>
+                </a:moveTo>
+                <a:lnTo>
+                  <a:pt x="120000" y="0"/>
+                </a:lnTo>
+                <a:lnTo>
+                  <a:pt x="120000" y="120000"/>
+                </a:lnTo>
+                <a:lnTo>
+                  <a:pt x="0" y="120000"/>
+                </a:lnTo>
+                <a:close/>
+              </a:path>
+            </a:pathLst>
+          </a:custGeom>
+        </p:spPr>
+      </p:sp>
+      <p:sp>
+        <p:nvSpPr>
+          <p:cNvPr id="538" name="Google Shape;538;gd3c3787e4d_0_56:notes"/>
+          <p:cNvSpPr txBox="1">
+            <a:spLocks noGrp="1"/>
+          </p:cNvSpPr>
+          <p:nvPr>
+            <p:ph type="body" idx="1"/>
+          </p:nvPr>
+        </p:nvSpPr>
+        <p:spPr>
+          <a:xfrm>
+            <a:off x="685800" y="4343400"/>
+            <a:ext cx="5486400" cy="4114800"/>
+          </a:xfrm>
+          <a:prstGeom prst="rect">
+            <a:avLst/>
+          </a:prstGeom>
+        </p:spPr>
+        <p:txBody>
+          <a:bodyPr spcFirstLastPara="1" wrap="square" lIns="91425" tIns="91425" rIns="91425" bIns="91425" anchor="t" anchorCtr="0">
+            <a:noAutofit/>
+          </a:bodyPr>
+          <a:lstStyle/>
+          <a:p>
+            <a:pPr marL="0" lvl="0" indent="0" algn="l" rtl="0">
+              <a:spcBef>
+                <a:spcPts val="0"/>
+              </a:spcBef>
+              <a:spcAft>
+                <a:spcPts val="0"/>
+              </a:spcAft>
+              <a:buNone/>
+            </a:pPr>
+            <a:endParaRPr/>
+          </a:p>
+        </p:txBody>
+      </p:sp>
+    </p:spTree>
+  </p:cSld>
+  <p:clrMapOvr>
+    <a:masterClrMapping/>
+  </p:clrMapOvr>
+</p:notes>
+</file>
+
+<file path=ppt/notesSlides/notesSlide11.xml><?xml version="1.0" encoding="utf-8"?>
+<p:notes xmlns:a="http://schemas.openxmlformats.org/drawingml/2006/main" xmlns:r="http://schemas.openxmlformats.org/officeDocument/2006/relationships" xmlns:p="http://schemas.openxmlformats.org/presentationml/2006/main" showMasterSp="0" showMasterPhAnim="0">
+  <p:cSld>
+    <p:spTree>
+      <p:nvGrpSpPr>
         <p:cNvPr id="1" name="Shape 499">
           <a:extLst>
             <a:ext uri="{FF2B5EF4-FFF2-40B4-BE49-F238E27FC236}">
@@ -963,7 +1068,7 @@
         <p:cNvPr id="1" name="Shape 499">
           <a:extLst>
             <a:ext uri="{FF2B5EF4-FFF2-40B4-BE49-F238E27FC236}">
-              <a16:creationId xmlns:a16="http://schemas.microsoft.com/office/drawing/2014/main" id="{493A71F5-C682-81C9-408E-40DD72469253}"/>
+              <a16:creationId xmlns:a16="http://schemas.microsoft.com/office/drawing/2014/main" id="{E59804A0-3BD4-57AD-F5A3-27A38F1C5BA6}"/>
             </a:ext>
           </a:extLst>
         </p:cNvPr>
@@ -983,7 +1088,7 @@
           <p:cNvPr id="500" name="Google Shape;500;gd3c3787e4d_0_30:notes">
             <a:extLst>
               <a:ext uri="{FF2B5EF4-FFF2-40B4-BE49-F238E27FC236}">
-                <a16:creationId xmlns:a16="http://schemas.microsoft.com/office/drawing/2014/main" id="{447EEDBE-C659-000C-BB3E-B10B28DD790C}"/>
+                <a16:creationId xmlns:a16="http://schemas.microsoft.com/office/drawing/2014/main" id="{BF89FDB6-DBEF-6B01-F794-164E4BF14F87}"/>
               </a:ext>
             </a:extLst>
           </p:cNvPr>
@@ -1030,7 +1135,7 @@
           <p:cNvPr id="501" name="Google Shape;501;gd3c3787e4d_0_30:notes">
             <a:extLst>
               <a:ext uri="{FF2B5EF4-FFF2-40B4-BE49-F238E27FC236}">
-                <a16:creationId xmlns:a16="http://schemas.microsoft.com/office/drawing/2014/main" id="{40E805BA-CF3E-6257-694D-1F5F83E83C5B}"/>
+                <a16:creationId xmlns:a16="http://schemas.microsoft.com/office/drawing/2014/main" id="{16DF5FD7-3531-C014-F0D5-6BBADB81FFD0}"/>
               </a:ext>
             </a:extLst>
           </p:cNvPr>
@@ -1072,7 +1177,7 @@
     </p:spTree>
     <p:extLst>
       <p:ext uri="{BB962C8B-B14F-4D97-AF65-F5344CB8AC3E}">
-        <p14:creationId xmlns:p14="http://schemas.microsoft.com/office/powerpoint/2010/main" val="1964673385"/>
+        <p14:creationId xmlns:p14="http://schemas.microsoft.com/office/powerpoint/2010/main" val="2948934381"/>
       </p:ext>
     </p:extLst>
   </p:cSld>
@@ -1445,6 +1550,133 @@
   <p:cSld>
     <p:spTree>
       <p:nvGrpSpPr>
+        <p:cNvPr id="1" name="Shape 499">
+          <a:extLst>
+            <a:ext uri="{FF2B5EF4-FFF2-40B4-BE49-F238E27FC236}">
+              <a16:creationId xmlns:a16="http://schemas.microsoft.com/office/drawing/2014/main" id="{493A71F5-C682-81C9-408E-40DD72469253}"/>
+            </a:ext>
+          </a:extLst>
+        </p:cNvPr>
+        <p:cNvGrpSpPr/>
+        <p:nvPr/>
+      </p:nvGrpSpPr>
+      <p:grpSpPr>
+        <a:xfrm>
+          <a:off x="0" y="0"/>
+          <a:ext cx="0" cy="0"/>
+          <a:chOff x="0" y="0"/>
+          <a:chExt cx="0" cy="0"/>
+        </a:xfrm>
+      </p:grpSpPr>
+      <p:sp>
+        <p:nvSpPr>
+          <p:cNvPr id="500" name="Google Shape;500;gd3c3787e4d_0_30:notes">
+            <a:extLst>
+              <a:ext uri="{FF2B5EF4-FFF2-40B4-BE49-F238E27FC236}">
+                <a16:creationId xmlns:a16="http://schemas.microsoft.com/office/drawing/2014/main" id="{447EEDBE-C659-000C-BB3E-B10B28DD790C}"/>
+              </a:ext>
+            </a:extLst>
+          </p:cNvPr>
+          <p:cNvSpPr>
+            <a:spLocks noGrp="1" noRot="1" noChangeAspect="1"/>
+          </p:cNvSpPr>
+          <p:nvPr>
+            <p:ph type="sldImg" idx="2"/>
+          </p:nvPr>
+        </p:nvSpPr>
+        <p:spPr>
+          <a:xfrm>
+            <a:off x="381000" y="685800"/>
+            <a:ext cx="6096000" cy="3429000"/>
+          </a:xfrm>
+          <a:custGeom>
+            <a:avLst/>
+            <a:gdLst/>
+            <a:ahLst/>
+            <a:cxnLst/>
+            <a:rect l="l" t="t" r="r" b="b"/>
+            <a:pathLst>
+              <a:path w="120000" h="120000" extrusionOk="0">
+                <a:moveTo>
+                  <a:pt x="0" y="0"/>
+                </a:moveTo>
+                <a:lnTo>
+                  <a:pt x="120000" y="0"/>
+                </a:lnTo>
+                <a:lnTo>
+                  <a:pt x="120000" y="120000"/>
+                </a:lnTo>
+                <a:lnTo>
+                  <a:pt x="0" y="120000"/>
+                </a:lnTo>
+                <a:close/>
+              </a:path>
+            </a:pathLst>
+          </a:custGeom>
+        </p:spPr>
+      </p:sp>
+      <p:sp>
+        <p:nvSpPr>
+          <p:cNvPr id="501" name="Google Shape;501;gd3c3787e4d_0_30:notes">
+            <a:extLst>
+              <a:ext uri="{FF2B5EF4-FFF2-40B4-BE49-F238E27FC236}">
+                <a16:creationId xmlns:a16="http://schemas.microsoft.com/office/drawing/2014/main" id="{40E805BA-CF3E-6257-694D-1F5F83E83C5B}"/>
+              </a:ext>
+            </a:extLst>
+          </p:cNvPr>
+          <p:cNvSpPr txBox="1">
+            <a:spLocks noGrp="1"/>
+          </p:cNvSpPr>
+          <p:nvPr>
+            <p:ph type="body" idx="1"/>
+          </p:nvPr>
+        </p:nvSpPr>
+        <p:spPr>
+          <a:xfrm>
+            <a:off x="685800" y="4343400"/>
+            <a:ext cx="5486400" cy="4114800"/>
+          </a:xfrm>
+          <a:prstGeom prst="rect">
+            <a:avLst/>
+          </a:prstGeom>
+        </p:spPr>
+        <p:txBody>
+          <a:bodyPr spcFirstLastPara="1" wrap="square" lIns="91425" tIns="91425" rIns="91425" bIns="91425" anchor="t" anchorCtr="0">
+            <a:noAutofit/>
+          </a:bodyPr>
+          <a:lstStyle/>
+          <a:p>
+            <a:pPr marL="0" lvl="0" indent="0" algn="l" rtl="0">
+              <a:spcBef>
+                <a:spcPts val="0"/>
+              </a:spcBef>
+              <a:spcAft>
+                <a:spcPts val="0"/>
+              </a:spcAft>
+              <a:buNone/>
+            </a:pPr>
+            <a:endParaRPr dirty="0"/>
+          </a:p>
+        </p:txBody>
+      </p:sp>
+    </p:spTree>
+    <p:extLst>
+      <p:ext uri="{BB962C8B-B14F-4D97-AF65-F5344CB8AC3E}">
+        <p14:creationId xmlns:p14="http://schemas.microsoft.com/office/powerpoint/2010/main" val="1964673385"/>
+      </p:ext>
+    </p:extLst>
+  </p:cSld>
+  <p:clrMapOvr>
+    <a:masterClrMapping/>
+  </p:clrMapOvr>
+</p:notes>
+</file>
+
+<file path=ppt/notesSlides/notesSlide7.xml><?xml version="1.0" encoding="utf-8"?>
+<p:notes xmlns:a="http://schemas.openxmlformats.org/drawingml/2006/main" xmlns:r="http://schemas.openxmlformats.org/officeDocument/2006/relationships" xmlns:p="http://schemas.openxmlformats.org/presentationml/2006/main" showMasterSp="0" showMasterPhAnim="0">
+  <p:cSld>
+    <p:spTree>
+      <p:nvGrpSpPr>
         <p:cNvPr id="1" name="Shape 636">
           <a:extLst>
             <a:ext uri="{FF2B5EF4-FFF2-40B4-BE49-F238E27FC236}">
@@ -1567,7 +1799,7 @@
 </p:notes>
 </file>
 
-<file path=ppt/notesSlides/notesSlide7.xml><?xml version="1.0" encoding="utf-8"?>
+<file path=ppt/notesSlides/notesSlide8.xml><?xml version="1.0" encoding="utf-8"?>
 <p:notes xmlns:a="http://schemas.openxmlformats.org/drawingml/2006/main" xmlns:r="http://schemas.openxmlformats.org/officeDocument/2006/relationships" xmlns:p="http://schemas.openxmlformats.org/presentationml/2006/main" showMasterSp="0" showMasterPhAnim="0">
   <p:cSld>
     <p:spTree>
@@ -1694,7 +1926,7 @@
 </p:notes>
 </file>
 
-<file path=ppt/notesSlides/notesSlide8.xml><?xml version="1.0" encoding="utf-8"?>
+<file path=ppt/notesSlides/notesSlide9.xml><?xml version="1.0" encoding="utf-8"?>
 <p:notes xmlns:a="http://schemas.openxmlformats.org/drawingml/2006/main" xmlns:r="http://schemas.openxmlformats.org/officeDocument/2006/relationships" xmlns:p="http://schemas.openxmlformats.org/presentationml/2006/main" showMasterSp="0" showMasterPhAnim="0">
   <p:cSld>
     <p:spTree>
@@ -1814,110 +2046,6 @@
         <p14:creationId xmlns:p14="http://schemas.microsoft.com/office/powerpoint/2010/main" val="1649080116"/>
       </p:ext>
     </p:extLst>
-  </p:cSld>
-  <p:clrMapOvr>
-    <a:masterClrMapping/>
-  </p:clrMapOvr>
-</p:notes>
-</file>
-
-<file path=ppt/notesSlides/notesSlide9.xml><?xml version="1.0" encoding="utf-8"?>
-<p:notes xmlns:a="http://schemas.openxmlformats.org/drawingml/2006/main" xmlns:r="http://schemas.openxmlformats.org/officeDocument/2006/relationships" xmlns:p="http://schemas.openxmlformats.org/presentationml/2006/main" showMasterSp="0" showMasterPhAnim="0">
-  <p:cSld>
-    <p:spTree>
-      <p:nvGrpSpPr>
-        <p:cNvPr id="1" name="Shape 536"/>
-        <p:cNvGrpSpPr/>
-        <p:nvPr/>
-      </p:nvGrpSpPr>
-      <p:grpSpPr>
-        <a:xfrm>
-          <a:off x="0" y="0"/>
-          <a:ext cx="0" cy="0"/>
-          <a:chOff x="0" y="0"/>
-          <a:chExt cx="0" cy="0"/>
-        </a:xfrm>
-      </p:grpSpPr>
-      <p:sp>
-        <p:nvSpPr>
-          <p:cNvPr id="537" name="Google Shape;537;gd3c3787e4d_0_56:notes"/>
-          <p:cNvSpPr>
-            <a:spLocks noGrp="1" noRot="1" noChangeAspect="1"/>
-          </p:cNvSpPr>
-          <p:nvPr>
-            <p:ph type="sldImg" idx="2"/>
-          </p:nvPr>
-        </p:nvSpPr>
-        <p:spPr>
-          <a:xfrm>
-            <a:off x="381000" y="685800"/>
-            <a:ext cx="6096000" cy="3429000"/>
-          </a:xfrm>
-          <a:custGeom>
-            <a:avLst/>
-            <a:gdLst/>
-            <a:ahLst/>
-            <a:cxnLst/>
-            <a:rect l="l" t="t" r="r" b="b"/>
-            <a:pathLst>
-              <a:path w="120000" h="120000" extrusionOk="0">
-                <a:moveTo>
-                  <a:pt x="0" y="0"/>
-                </a:moveTo>
-                <a:lnTo>
-                  <a:pt x="120000" y="0"/>
-                </a:lnTo>
-                <a:lnTo>
-                  <a:pt x="120000" y="120000"/>
-                </a:lnTo>
-                <a:lnTo>
-                  <a:pt x="0" y="120000"/>
-                </a:lnTo>
-                <a:close/>
-              </a:path>
-            </a:pathLst>
-          </a:custGeom>
-        </p:spPr>
-      </p:sp>
-      <p:sp>
-        <p:nvSpPr>
-          <p:cNvPr id="538" name="Google Shape;538;gd3c3787e4d_0_56:notes"/>
-          <p:cNvSpPr txBox="1">
-            <a:spLocks noGrp="1"/>
-          </p:cNvSpPr>
-          <p:nvPr>
-            <p:ph type="body" idx="1"/>
-          </p:nvPr>
-        </p:nvSpPr>
-        <p:spPr>
-          <a:xfrm>
-            <a:off x="685800" y="4343400"/>
-            <a:ext cx="5486400" cy="4114800"/>
-          </a:xfrm>
-          <a:prstGeom prst="rect">
-            <a:avLst/>
-          </a:prstGeom>
-        </p:spPr>
-        <p:txBody>
-          <a:bodyPr spcFirstLastPara="1" wrap="square" lIns="91425" tIns="91425" rIns="91425" bIns="91425" anchor="t" anchorCtr="0">
-            <a:noAutofit/>
-          </a:bodyPr>
-          <a:lstStyle/>
-          <a:p>
-            <a:pPr marL="0" lvl="0" indent="0" algn="l" rtl="0">
-              <a:spcBef>
-                <a:spcPts val="0"/>
-              </a:spcBef>
-              <a:spcAft>
-                <a:spcPts val="0"/>
-              </a:spcAft>
-              <a:buNone/>
-            </a:pPr>
-            <a:endParaRPr/>
-          </a:p>
-        </p:txBody>
-      </p:sp>
-    </p:spTree>
   </p:cSld>
   <p:clrMapOvr>
     <a:masterClrMapping/>
@@ -9615,7 +9743,7 @@
             </a:r>
             <a:r>
               <a:rPr lang="en" dirty="0"/>
-              <a:t> emissions per country</a:t>
+              <a:t> Emissions</a:t>
             </a:r>
             <a:endParaRPr dirty="0"/>
           </a:p>
@@ -9630,6 +9758,94 @@
 </file>
 
 <file path=ppt/slides/slide10.xml><?xml version="1.0" encoding="utf-8"?>
+<p:sld xmlns:a="http://schemas.openxmlformats.org/drawingml/2006/main" xmlns:r="http://schemas.openxmlformats.org/officeDocument/2006/relationships" xmlns:p="http://schemas.openxmlformats.org/presentationml/2006/main">
+  <p:cSld>
+    <p:spTree>
+      <p:nvGrpSpPr>
+        <p:cNvPr id="1" name="Shape 539"/>
+        <p:cNvGrpSpPr/>
+        <p:nvPr/>
+      </p:nvGrpSpPr>
+      <p:grpSpPr>
+        <a:xfrm>
+          <a:off x="0" y="0"/>
+          <a:ext cx="0" cy="0"/>
+          <a:chOff x="0" y="0"/>
+          <a:chExt cx="0" cy="0"/>
+        </a:xfrm>
+      </p:grpSpPr>
+      <p:sp>
+        <p:nvSpPr>
+          <p:cNvPr id="10" name="Title 9">
+            <a:extLst>
+              <a:ext uri="{FF2B5EF4-FFF2-40B4-BE49-F238E27FC236}">
+                <a16:creationId xmlns:a16="http://schemas.microsoft.com/office/drawing/2014/main" id="{4CE97C82-850A-EBB6-A8B5-80B52B1814DF}"/>
+              </a:ext>
+            </a:extLst>
+          </p:cNvPr>
+          <p:cNvSpPr>
+            <a:spLocks noGrp="1"/>
+          </p:cNvSpPr>
+          <p:nvPr>
+            <p:ph type="title"/>
+          </p:nvPr>
+        </p:nvSpPr>
+        <p:spPr>
+          <a:xfrm>
+            <a:off x="2683650" y="1121469"/>
+            <a:ext cx="3776700" cy="649200"/>
+          </a:xfrm>
+        </p:spPr>
+        <p:txBody>
+          <a:bodyPr/>
+          <a:lstStyle/>
+          <a:p>
+            <a:r>
+              <a:rPr lang="en-US" sz="3600" dirty="0"/>
+              <a:t>[Unity Demo]</a:t>
+            </a:r>
+          </a:p>
+        </p:txBody>
+      </p:sp>
+      <p:pic>
+        <p:nvPicPr>
+          <p:cNvPr id="13" name="Picture 12">
+            <a:extLst>
+              <a:ext uri="{FF2B5EF4-FFF2-40B4-BE49-F238E27FC236}">
+                <a16:creationId xmlns:a16="http://schemas.microsoft.com/office/drawing/2014/main" id="{4C3D8EF7-B533-649A-D6DA-DC2135A3A29B}"/>
+              </a:ext>
+            </a:extLst>
+          </p:cNvPr>
+          <p:cNvPicPr>
+            <a:picLocks noChangeAspect="1"/>
+          </p:cNvPicPr>
+          <p:nvPr/>
+        </p:nvPicPr>
+        <p:blipFill>
+          <a:blip r:embed="rId3"/>
+          <a:stretch>
+            <a:fillRect/>
+          </a:stretch>
+        </p:blipFill>
+        <p:spPr>
+          <a:xfrm>
+            <a:off x="2839983" y="2183982"/>
+            <a:ext cx="3464034" cy="2328508"/>
+          </a:xfrm>
+          <a:prstGeom prst="rect">
+            <a:avLst/>
+          </a:prstGeom>
+        </p:spPr>
+      </p:pic>
+    </p:spTree>
+  </p:cSld>
+  <p:clrMapOvr>
+    <a:masterClrMapping/>
+  </p:clrMapOvr>
+</p:sld>
+</file>
+
+<file path=ppt/slides/slide11.xml><?xml version="1.0" encoding="utf-8"?>
 <p:sld xmlns:a="http://schemas.openxmlformats.org/drawingml/2006/main" xmlns:r="http://schemas.openxmlformats.org/officeDocument/2006/relationships" xmlns:p="http://schemas.openxmlformats.org/presentationml/2006/main">
   <p:cSld>
     <p:spTree>
@@ -9773,7 +9989,7 @@
         <p:cNvPr id="1" name="Shape 502">
           <a:extLst>
             <a:ext uri="{FF2B5EF4-FFF2-40B4-BE49-F238E27FC236}">
-              <a16:creationId xmlns:a16="http://schemas.microsoft.com/office/drawing/2014/main" id="{1CBC0473-B0EB-D276-E3DF-963CD95CBD1F}"/>
+              <a16:creationId xmlns:a16="http://schemas.microsoft.com/office/drawing/2014/main" id="{B0241838-AFDD-A0E3-CB1D-1D2CBCFBD8AA}"/>
             </a:ext>
           </a:extLst>
         </p:cNvPr>
@@ -9790,10 +10006,10 @@
       </p:grpSpPr>
       <p:sp>
         <p:nvSpPr>
-          <p:cNvPr id="46" name="Rectangle: Rounded Corners 45">
+          <p:cNvPr id="32" name="Rectangle: Rounded Corners 31">
             <a:extLst>
               <a:ext uri="{FF2B5EF4-FFF2-40B4-BE49-F238E27FC236}">
-                <a16:creationId xmlns:a16="http://schemas.microsoft.com/office/drawing/2014/main" id="{A85E3101-D3D4-7F02-83BC-79EDA86AB70E}"/>
+                <a16:creationId xmlns:a16="http://schemas.microsoft.com/office/drawing/2014/main" id="{16D767D6-0C5A-A43A-6103-44F1C7D08805}"/>
               </a:ext>
             </a:extLst>
           </p:cNvPr>
@@ -9802,59 +10018,7 @@
         </p:nvSpPr>
         <p:spPr>
           <a:xfrm>
-            <a:off x="4915761" y="1254141"/>
-            <a:ext cx="3211735" cy="3270602"/>
-          </a:xfrm>
-          <a:prstGeom prst="roundRect">
-            <a:avLst/>
-          </a:prstGeom>
-          <a:solidFill>
-            <a:srgbClr val="DBCABD"/>
-          </a:solidFill>
-          <a:ln>
-            <a:noFill/>
-          </a:ln>
-        </p:spPr>
-        <p:style>
-          <a:lnRef idx="2">
-            <a:schemeClr val="accent1">
-              <a:shade val="15000"/>
-            </a:schemeClr>
-          </a:lnRef>
-          <a:fillRef idx="1">
-            <a:schemeClr val="accent1"/>
-          </a:fillRef>
-          <a:effectRef idx="0">
-            <a:schemeClr val="accent1"/>
-          </a:effectRef>
-          <a:fontRef idx="minor">
-            <a:schemeClr val="lt1"/>
-          </a:fontRef>
-        </p:style>
-        <p:txBody>
-          <a:bodyPr rtlCol="0" anchor="ctr"/>
-          <a:lstStyle/>
-          <a:p>
-            <a:pPr algn="ctr"/>
-            <a:endParaRPr lang="en-US"/>
-          </a:p>
-        </p:txBody>
-      </p:sp>
-      <p:sp>
-        <p:nvSpPr>
-          <p:cNvPr id="32" name="Rectangle: Rounded Corners 31">
-            <a:extLst>
-              <a:ext uri="{FF2B5EF4-FFF2-40B4-BE49-F238E27FC236}">
-                <a16:creationId xmlns:a16="http://schemas.microsoft.com/office/drawing/2014/main" id="{FD135134-5B1B-51C2-84B0-B1FE80906859}"/>
-              </a:ext>
-            </a:extLst>
-          </p:cNvPr>
-          <p:cNvSpPr/>
-          <p:nvPr/>
-        </p:nvSpPr>
-        <p:spPr>
-          <a:xfrm>
-            <a:off x="966410" y="1254141"/>
+            <a:off x="1868103" y="1333398"/>
             <a:ext cx="3211735" cy="3270602"/>
           </a:xfrm>
           <a:prstGeom prst="roundRect">
@@ -9897,7 +10061,7 @@
           <p:cNvPr id="503" name="Google Shape;503;p55">
             <a:extLst>
               <a:ext uri="{FF2B5EF4-FFF2-40B4-BE49-F238E27FC236}">
-                <a16:creationId xmlns:a16="http://schemas.microsoft.com/office/drawing/2014/main" id="{A4D9EBDD-2E20-D08E-4730-54CB96FFD99F}"/>
+                <a16:creationId xmlns:a16="http://schemas.microsoft.com/office/drawing/2014/main" id="{3BE20606-135A-6370-7CB3-30E51A3BA391}"/>
               </a:ext>
             </a:extLst>
           </p:cNvPr>
@@ -9934,7 +10098,7 @@
             </a:pPr>
             <a:r>
               <a:rPr lang="en" dirty="0"/>
-              <a:t>Datasets</a:t>
+              <a:t>Dataset</a:t>
             </a:r>
             <a:endParaRPr dirty="0"/>
           </a:p>
@@ -9945,7 +10109,7 @@
           <p:cNvPr id="34" name="Google Shape;525;p56">
             <a:extLst>
               <a:ext uri="{FF2B5EF4-FFF2-40B4-BE49-F238E27FC236}">
-                <a16:creationId xmlns:a16="http://schemas.microsoft.com/office/drawing/2014/main" id="{801DCCFA-5E9F-7E1D-DC96-1E33B23D812E}"/>
+                <a16:creationId xmlns:a16="http://schemas.microsoft.com/office/drawing/2014/main" id="{B7007D55-1152-6ED3-1E58-B1BC018A9BF5}"/>
               </a:ext>
             </a:extLst>
           </p:cNvPr>
@@ -9956,7 +10120,7 @@
         </p:nvSpPr>
         <p:spPr>
           <a:xfrm>
-            <a:off x="1188428" y="1276815"/>
+            <a:off x="2005406" y="1356072"/>
             <a:ext cx="2937129" cy="389700"/>
           </a:xfrm>
           <a:prstGeom prst="rect">
@@ -10231,7 +10395,7 @@
           <p:cNvPr id="35" name="Google Shape;531;p56">
             <a:extLst>
               <a:ext uri="{FF2B5EF4-FFF2-40B4-BE49-F238E27FC236}">
-                <a16:creationId xmlns:a16="http://schemas.microsoft.com/office/drawing/2014/main" id="{84752272-CB12-9BE6-5503-B01F37936606}"/>
+                <a16:creationId xmlns:a16="http://schemas.microsoft.com/office/drawing/2014/main" id="{5F5A8682-A274-1C0F-BA13-A67A1007F287}"/>
               </a:ext>
             </a:extLst>
           </p:cNvPr>
@@ -10244,7 +10408,7 @@
         </p:nvSpPr>
         <p:spPr>
           <a:xfrm>
-            <a:off x="1295350" y="1753915"/>
+            <a:off x="2250420" y="1833172"/>
             <a:ext cx="2447100" cy="2695261"/>
           </a:xfrm>
           <a:prstGeom prst="rect">
@@ -10301,7 +10465,15 @@
             </a:pPr>
             <a:r>
               <a:rPr lang="en" sz="1200" dirty="0"/>
-              <a:t>Total CO2 emissions</a:t>
+              <a:t>Total CO</a:t>
+            </a:r>
+            <a:r>
+              <a:rPr lang="en" sz="1200" baseline="-25000" dirty="0"/>
+              <a:t>2</a:t>
+            </a:r>
+            <a:r>
+              <a:rPr lang="en" sz="1200" dirty="0"/>
+              <a:t> emissions</a:t>
             </a:r>
           </a:p>
           <a:p>
@@ -10420,22 +10592,20 @@
       </p:sp>
       <p:sp>
         <p:nvSpPr>
-          <p:cNvPr id="36" name="Google Shape;525;p56">
+          <p:cNvPr id="49" name="TextBox 48">
             <a:extLst>
               <a:ext uri="{FF2B5EF4-FFF2-40B4-BE49-F238E27FC236}">
-                <a16:creationId xmlns:a16="http://schemas.microsoft.com/office/drawing/2014/main" id="{5BDB10FC-97F9-1E3E-DEFA-F0AB5D014698}"/>
+                <a16:creationId xmlns:a16="http://schemas.microsoft.com/office/drawing/2014/main" id="{789E4CAA-8479-3DEF-E85C-5883E400FAE0}"/>
               </a:ext>
             </a:extLst>
           </p:cNvPr>
-          <p:cNvSpPr txBox="1">
-            <a:spLocks/>
-          </p:cNvSpPr>
+          <p:cNvSpPr txBox="1"/>
           <p:nvPr/>
         </p:nvSpPr>
         <p:spPr>
           <a:xfrm>
-            <a:off x="5298078" y="1279514"/>
-            <a:ext cx="2447101" cy="389700"/>
+            <a:off x="5425091" y="2222916"/>
+            <a:ext cx="2401123" cy="461665"/>
           </a:xfrm>
           <a:prstGeom prst="rect">
             <a:avLst/>
@@ -10461,303 +10631,17 @@
                 <a:spcPts val="0"/>
               </a:spcAft>
             </a:defPPr>
-            <a:lvl1pPr marR="0" lvl="0" algn="ctr" rtl="0">
-              <a:lnSpc>
-                <a:spcPct val="100000"/>
-              </a:lnSpc>
-              <a:spcBef>
-                <a:spcPts val="0"/>
-              </a:spcBef>
-              <a:spcAft>
-                <a:spcPts val="0"/>
+            <a:lvl1pPr marL="285750" indent="-285750">
+              <a:spcAft>
+                <a:spcPts val="600"/>
               </a:spcAft>
               <a:buClr>
                 <a:schemeClr val="dk1"/>
               </a:buClr>
-              <a:buSzPts val="2400"/>
-              <a:buFont typeface="DM Serif Display"/>
-              <a:buNone/>
-              <a:defRPr sz="2200" b="0" i="0" u="none" strike="noStrike" cap="none">
-                <a:solidFill>
-                  <a:schemeClr val="dk1"/>
-                </a:solidFill>
-                <a:latin typeface="DM Serif Display"/>
-                <a:ea typeface="DM Serif Display"/>
-                <a:cs typeface="DM Serif Display"/>
-                <a:sym typeface="DM Serif Display"/>
-              </a:defRPr>
-            </a:lvl1pPr>
-            <a:lvl2pPr marR="0" lvl="1" algn="ctr" rtl="0">
-              <a:lnSpc>
-                <a:spcPct val="100000"/>
-              </a:lnSpc>
-              <a:spcBef>
-                <a:spcPts val="0"/>
-              </a:spcBef>
-              <a:spcAft>
-                <a:spcPts val="0"/>
-              </a:spcAft>
-              <a:buClr>
-                <a:schemeClr val="dk1"/>
-              </a:buClr>
-              <a:buSzPts val="2400"/>
-              <a:buFont typeface="DM Serif Display"/>
-              <a:buNone/>
-              <a:defRPr sz="2400" b="0" i="0" u="none" strike="noStrike" cap="none">
-                <a:solidFill>
-                  <a:schemeClr val="dk1"/>
-                </a:solidFill>
-                <a:latin typeface="DM Serif Display"/>
-                <a:ea typeface="DM Serif Display"/>
-                <a:cs typeface="DM Serif Display"/>
-                <a:sym typeface="DM Serif Display"/>
-              </a:defRPr>
-            </a:lvl2pPr>
-            <a:lvl3pPr marR="0" lvl="2" algn="ctr" rtl="0">
-              <a:lnSpc>
-                <a:spcPct val="100000"/>
-              </a:lnSpc>
-              <a:spcBef>
-                <a:spcPts val="0"/>
-              </a:spcBef>
-              <a:spcAft>
-                <a:spcPts val="0"/>
-              </a:spcAft>
-              <a:buClr>
-                <a:schemeClr val="dk1"/>
-              </a:buClr>
-              <a:buSzPts val="2400"/>
-              <a:buFont typeface="DM Serif Display"/>
-              <a:buNone/>
-              <a:defRPr sz="2400" b="0" i="0" u="none" strike="noStrike" cap="none">
-                <a:solidFill>
-                  <a:schemeClr val="dk1"/>
-                </a:solidFill>
-                <a:latin typeface="DM Serif Display"/>
-                <a:ea typeface="DM Serif Display"/>
-                <a:cs typeface="DM Serif Display"/>
-                <a:sym typeface="DM Serif Display"/>
-              </a:defRPr>
-            </a:lvl3pPr>
-            <a:lvl4pPr marR="0" lvl="3" algn="ctr" rtl="0">
-              <a:lnSpc>
-                <a:spcPct val="100000"/>
-              </a:lnSpc>
-              <a:spcBef>
-                <a:spcPts val="0"/>
-              </a:spcBef>
-              <a:spcAft>
-                <a:spcPts val="0"/>
-              </a:spcAft>
-              <a:buClr>
-                <a:schemeClr val="dk1"/>
-              </a:buClr>
-              <a:buSzPts val="2400"/>
-              <a:buFont typeface="DM Serif Display"/>
-              <a:buNone/>
-              <a:defRPr sz="2400" b="0" i="0" u="none" strike="noStrike" cap="none">
-                <a:solidFill>
-                  <a:schemeClr val="dk1"/>
-                </a:solidFill>
-                <a:latin typeface="DM Serif Display"/>
-                <a:ea typeface="DM Serif Display"/>
-                <a:cs typeface="DM Serif Display"/>
-                <a:sym typeface="DM Serif Display"/>
-              </a:defRPr>
-            </a:lvl4pPr>
-            <a:lvl5pPr marR="0" lvl="4" algn="ctr" rtl="0">
-              <a:lnSpc>
-                <a:spcPct val="100000"/>
-              </a:lnSpc>
-              <a:spcBef>
-                <a:spcPts val="0"/>
-              </a:spcBef>
-              <a:spcAft>
-                <a:spcPts val="0"/>
-              </a:spcAft>
-              <a:buClr>
-                <a:schemeClr val="dk1"/>
-              </a:buClr>
-              <a:buSzPts val="2400"/>
-              <a:buFont typeface="DM Serif Display"/>
-              <a:buNone/>
-              <a:defRPr sz="2400" b="0" i="0" u="none" strike="noStrike" cap="none">
-                <a:solidFill>
-                  <a:schemeClr val="dk1"/>
-                </a:solidFill>
-                <a:latin typeface="DM Serif Display"/>
-                <a:ea typeface="DM Serif Display"/>
-                <a:cs typeface="DM Serif Display"/>
-                <a:sym typeface="DM Serif Display"/>
-              </a:defRPr>
-            </a:lvl5pPr>
-            <a:lvl6pPr marR="0" lvl="5" algn="ctr" rtl="0">
-              <a:lnSpc>
-                <a:spcPct val="100000"/>
-              </a:lnSpc>
-              <a:spcBef>
-                <a:spcPts val="0"/>
-              </a:spcBef>
-              <a:spcAft>
-                <a:spcPts val="0"/>
-              </a:spcAft>
-              <a:buClr>
-                <a:schemeClr val="dk1"/>
-              </a:buClr>
-              <a:buSzPts val="2400"/>
-              <a:buFont typeface="DM Serif Display"/>
-              <a:buNone/>
-              <a:defRPr sz="2400" b="0" i="0" u="none" strike="noStrike" cap="none">
-                <a:solidFill>
-                  <a:schemeClr val="dk1"/>
-                </a:solidFill>
-                <a:latin typeface="DM Serif Display"/>
-                <a:ea typeface="DM Serif Display"/>
-                <a:cs typeface="DM Serif Display"/>
-                <a:sym typeface="DM Serif Display"/>
-              </a:defRPr>
-            </a:lvl6pPr>
-            <a:lvl7pPr marR="0" lvl="6" algn="ctr" rtl="0">
-              <a:lnSpc>
-                <a:spcPct val="100000"/>
-              </a:lnSpc>
-              <a:spcBef>
-                <a:spcPts val="0"/>
-              </a:spcBef>
-              <a:spcAft>
-                <a:spcPts val="0"/>
-              </a:spcAft>
-              <a:buClr>
-                <a:schemeClr val="dk1"/>
-              </a:buClr>
-              <a:buSzPts val="2400"/>
-              <a:buFont typeface="DM Serif Display"/>
-              <a:buNone/>
-              <a:defRPr sz="2400" b="0" i="0" u="none" strike="noStrike" cap="none">
-                <a:solidFill>
-                  <a:schemeClr val="dk1"/>
-                </a:solidFill>
-                <a:latin typeface="DM Serif Display"/>
-                <a:ea typeface="DM Serif Display"/>
-                <a:cs typeface="DM Serif Display"/>
-                <a:sym typeface="DM Serif Display"/>
-              </a:defRPr>
-            </a:lvl7pPr>
-            <a:lvl8pPr marR="0" lvl="7" algn="ctr" rtl="0">
-              <a:lnSpc>
-                <a:spcPct val="100000"/>
-              </a:lnSpc>
-              <a:spcBef>
-                <a:spcPts val="0"/>
-              </a:spcBef>
-              <a:spcAft>
-                <a:spcPts val="0"/>
-              </a:spcAft>
-              <a:buClr>
-                <a:schemeClr val="dk1"/>
-              </a:buClr>
-              <a:buSzPts val="2400"/>
-              <a:buFont typeface="DM Serif Display"/>
-              <a:buNone/>
-              <a:defRPr sz="2400" b="0" i="0" u="none" strike="noStrike" cap="none">
-                <a:solidFill>
-                  <a:schemeClr val="dk1"/>
-                </a:solidFill>
-                <a:latin typeface="DM Serif Display"/>
-                <a:ea typeface="DM Serif Display"/>
-                <a:cs typeface="DM Serif Display"/>
-                <a:sym typeface="DM Serif Display"/>
-              </a:defRPr>
-            </a:lvl8pPr>
-            <a:lvl9pPr marR="0" lvl="8" algn="ctr" rtl="0">
-              <a:lnSpc>
-                <a:spcPct val="100000"/>
-              </a:lnSpc>
-              <a:spcBef>
-                <a:spcPts val="0"/>
-              </a:spcBef>
-              <a:spcAft>
-                <a:spcPts val="0"/>
-              </a:spcAft>
-              <a:buClr>
-                <a:schemeClr val="dk1"/>
-              </a:buClr>
-              <a:buSzPts val="2400"/>
-              <a:buFont typeface="DM Serif Display"/>
-              <a:buNone/>
-              <a:defRPr sz="2400" b="0" i="0" u="none" strike="noStrike" cap="none">
-                <a:solidFill>
-                  <a:schemeClr val="dk1"/>
-                </a:solidFill>
-                <a:latin typeface="DM Serif Display"/>
-                <a:ea typeface="DM Serif Display"/>
-                <a:cs typeface="DM Serif Display"/>
-                <a:sym typeface="DM Serif Display"/>
-              </a:defRPr>
-            </a:lvl9pPr>
-          </a:lstStyle>
-          <a:p>
-            <a:r>
-              <a:rPr lang="en-US" sz="2000" dirty="0"/>
-              <a:t>World, Region, Country GDP</a:t>
-            </a:r>
-          </a:p>
-        </p:txBody>
-      </p:sp>
-      <p:sp>
-        <p:nvSpPr>
-          <p:cNvPr id="37" name="Google Shape;531;p56">
-            <a:extLst>
-              <a:ext uri="{FF2B5EF4-FFF2-40B4-BE49-F238E27FC236}">
-                <a16:creationId xmlns:a16="http://schemas.microsoft.com/office/drawing/2014/main" id="{FFFEBB2D-38EC-9149-3823-88CF2DD8A439}"/>
-              </a:ext>
-            </a:extLst>
-          </p:cNvPr>
-          <p:cNvSpPr txBox="1">
-            <a:spLocks/>
-          </p:cNvSpPr>
-          <p:nvPr/>
-        </p:nvSpPr>
-        <p:spPr>
-          <a:xfrm>
-            <a:off x="5333537" y="2016147"/>
-            <a:ext cx="2447100" cy="2587853"/>
-          </a:xfrm>
-          <a:prstGeom prst="rect">
-            <a:avLst/>
-          </a:prstGeom>
-          <a:noFill/>
-          <a:ln>
-            <a:noFill/>
-          </a:ln>
-        </p:spPr>
-        <p:txBody>
-          <a:bodyPr spcFirstLastPara="1" wrap="square" lIns="91425" tIns="91425" rIns="91425" bIns="91425" anchor="t" anchorCtr="0">
-            <a:noAutofit/>
-          </a:bodyPr>
-          <a:lstStyle>
-            <a:defPPr marR="0" lvl="0" algn="l" rtl="0">
-              <a:lnSpc>
-                <a:spcPct val="100000"/>
-              </a:lnSpc>
-              <a:spcBef>
-                <a:spcPts val="0"/>
-              </a:spcBef>
-              <a:spcAft>
-                <a:spcPts val="0"/>
-              </a:spcAft>
-            </a:defPPr>
-            <a:lvl1pPr marL="285750" indent="-285750">
-              <a:spcAft>
-                <a:spcPts val="600"/>
-              </a:spcAft>
-              <a:buClr>
-                <a:schemeClr val="dk1"/>
-              </a:buClr>
               <a:buSzPts val="1600"/>
               <a:buFont typeface="Arial" panose="020B0604020202020204" pitchFamily="34" charset="0"/>
               <a:buChar char="•"/>
-              <a:defRPr sz="1600">
+              <a:defRPr sz="1200">
                 <a:solidFill>
                   <a:schemeClr val="dk1"/>
                 </a:solidFill>
@@ -10905,34 +10789,22 @@
             </a:lvl9pPr>
           </a:lstStyle>
           <a:p>
+            <a:pPr marL="0" indent="0" algn="ctr">
+              <a:buNone/>
+            </a:pPr>
             <a:r>
               <a:rPr lang="en-US" sz="1400" dirty="0"/>
-              <a:t>Country</a:t>
+              <a:t>The Global Carbon Project (GCP)</a:t>
             </a:r>
-          </a:p>
-          <a:p>
-            <a:r>
-              <a:rPr lang="en-US" sz="1400" dirty="0"/>
-              <a:t>Year (1960-2021)</a:t>
-            </a:r>
-          </a:p>
-          <a:p>
-            <a:r>
-              <a:rPr lang="en-US" sz="1400" dirty="0"/>
-              <a:t>GDP_USD</a:t>
-            </a:r>
-          </a:p>
-          <a:p>
-            <a:endParaRPr lang="en-US" sz="1400" dirty="0"/>
           </a:p>
         </p:txBody>
       </p:sp>
       <p:sp>
         <p:nvSpPr>
-          <p:cNvPr id="41" name="TextBox 40">
+          <p:cNvPr id="2" name="TextBox 1">
             <a:extLst>
               <a:ext uri="{FF2B5EF4-FFF2-40B4-BE49-F238E27FC236}">
-                <a16:creationId xmlns:a16="http://schemas.microsoft.com/office/drawing/2014/main" id="{55FF67C8-1C93-AEF0-B778-4C8B02FA8638}"/>
+                <a16:creationId xmlns:a16="http://schemas.microsoft.com/office/drawing/2014/main" id="{B89D77CB-3338-22DA-15BD-B2E732AD85EC}"/>
               </a:ext>
             </a:extLst>
           </p:cNvPr>
@@ -10941,7 +10813,7 @@
         </p:nvSpPr>
         <p:spPr>
           <a:xfrm>
-            <a:off x="3056753" y="4750290"/>
+            <a:off x="5110405" y="3206862"/>
             <a:ext cx="3030494" cy="306717"/>
           </a:xfrm>
           <a:prstGeom prst="rect">
@@ -11126,430 +10998,12 @@
             </a:lvl9pPr>
           </a:lstStyle>
           <a:p>
-            <a:pPr marL="0" indent="0">
+            <a:pPr marL="0" indent="0" algn="ctr">
               <a:buNone/>
             </a:pPr>
             <a:r>
-              <a:rPr lang="en-US" dirty="0"/>
-              <a:t>Licenses: CC0 (Public Domain)</a:t>
-            </a:r>
-          </a:p>
-        </p:txBody>
-      </p:sp>
-      <p:sp>
-        <p:nvSpPr>
-          <p:cNvPr id="49" name="TextBox 48">
-            <a:extLst>
-              <a:ext uri="{FF2B5EF4-FFF2-40B4-BE49-F238E27FC236}">
-                <a16:creationId xmlns:a16="http://schemas.microsoft.com/office/drawing/2014/main" id="{3DEDB933-BAA7-E23B-D286-720D98C34A6B}"/>
-              </a:ext>
-            </a:extLst>
-          </p:cNvPr>
-          <p:cNvSpPr txBox="1"/>
-          <p:nvPr/>
-        </p:nvSpPr>
-        <p:spPr>
-          <a:xfrm>
-            <a:off x="1456430" y="4507735"/>
-            <a:ext cx="2401123" cy="461665"/>
-          </a:xfrm>
-          <a:prstGeom prst="rect">
-            <a:avLst/>
-          </a:prstGeom>
-          <a:noFill/>
-          <a:ln>
-            <a:noFill/>
-          </a:ln>
-        </p:spPr>
-        <p:txBody>
-          <a:bodyPr spcFirstLastPara="1" wrap="square" lIns="91425" tIns="91425" rIns="91425" bIns="91425" anchor="t" anchorCtr="0">
-            <a:noAutofit/>
-          </a:bodyPr>
-          <a:lstStyle>
-            <a:defPPr marR="0" lvl="0" algn="l" rtl="0">
-              <a:lnSpc>
-                <a:spcPct val="100000"/>
-              </a:lnSpc>
-              <a:spcBef>
-                <a:spcPts val="0"/>
-              </a:spcBef>
-              <a:spcAft>
-                <a:spcPts val="0"/>
-              </a:spcAft>
-            </a:defPPr>
-            <a:lvl1pPr marL="285750" indent="-285750">
-              <a:spcAft>
-                <a:spcPts val="600"/>
-              </a:spcAft>
-              <a:buClr>
-                <a:schemeClr val="dk1"/>
-              </a:buClr>
-              <a:buSzPts val="1600"/>
-              <a:buFont typeface="Arial" panose="020B0604020202020204" pitchFamily="34" charset="0"/>
-              <a:buChar char="•"/>
-              <a:defRPr sz="1200">
-                <a:solidFill>
-                  <a:schemeClr val="dk1"/>
-                </a:solidFill>
-                <a:latin typeface="Karla"/>
-                <a:ea typeface="Karla"/>
-                <a:cs typeface="Karla"/>
-                <a:sym typeface="Karla"/>
-              </a:defRPr>
-            </a:lvl1pPr>
-            <a:lvl2pPr marL="914400" indent="-330200">
-              <a:buClr>
-                <a:schemeClr val="dk1"/>
-              </a:buClr>
-              <a:buSzPts val="1600"/>
-              <a:buFont typeface="Karla"/>
-              <a:buNone/>
-              <a:defRPr sz="1600">
-                <a:solidFill>
-                  <a:schemeClr val="dk1"/>
-                </a:solidFill>
-                <a:latin typeface="Karla"/>
-                <a:ea typeface="Karla"/>
-                <a:cs typeface="Karla"/>
-                <a:sym typeface="Karla"/>
-              </a:defRPr>
-            </a:lvl2pPr>
-            <a:lvl3pPr marL="1371600" indent="-330200">
-              <a:buClr>
-                <a:schemeClr val="dk1"/>
-              </a:buClr>
-              <a:buSzPts val="1600"/>
-              <a:buFont typeface="Karla"/>
-              <a:buNone/>
-              <a:defRPr sz="1600">
-                <a:solidFill>
-                  <a:schemeClr val="dk1"/>
-                </a:solidFill>
-                <a:latin typeface="Karla"/>
-                <a:ea typeface="Karla"/>
-                <a:cs typeface="Karla"/>
-                <a:sym typeface="Karla"/>
-              </a:defRPr>
-            </a:lvl3pPr>
-            <a:lvl4pPr marL="1828800" indent="-330200">
-              <a:buClr>
-                <a:schemeClr val="dk1"/>
-              </a:buClr>
-              <a:buSzPts val="1600"/>
-              <a:buFont typeface="Karla"/>
-              <a:buNone/>
-              <a:defRPr sz="1600">
-                <a:solidFill>
-                  <a:schemeClr val="dk1"/>
-                </a:solidFill>
-                <a:latin typeface="Karla"/>
-                <a:ea typeface="Karla"/>
-                <a:cs typeface="Karla"/>
-                <a:sym typeface="Karla"/>
-              </a:defRPr>
-            </a:lvl4pPr>
-            <a:lvl5pPr marL="2286000" indent="-330200">
-              <a:buClr>
-                <a:schemeClr val="dk1"/>
-              </a:buClr>
-              <a:buSzPts val="1600"/>
-              <a:buFont typeface="Karla"/>
-              <a:buNone/>
-              <a:defRPr sz="1600">
-                <a:solidFill>
-                  <a:schemeClr val="dk1"/>
-                </a:solidFill>
-                <a:latin typeface="Karla"/>
-                <a:ea typeface="Karla"/>
-                <a:cs typeface="Karla"/>
-                <a:sym typeface="Karla"/>
-              </a:defRPr>
-            </a:lvl5pPr>
-            <a:lvl6pPr marL="2743200" indent="-330200">
-              <a:buClr>
-                <a:schemeClr val="dk1"/>
-              </a:buClr>
-              <a:buSzPts val="1600"/>
-              <a:buFont typeface="Karla"/>
-              <a:buNone/>
-              <a:defRPr sz="1600">
-                <a:solidFill>
-                  <a:schemeClr val="dk1"/>
-                </a:solidFill>
-                <a:latin typeface="Karla"/>
-                <a:ea typeface="Karla"/>
-                <a:cs typeface="Karla"/>
-                <a:sym typeface="Karla"/>
-              </a:defRPr>
-            </a:lvl6pPr>
-            <a:lvl7pPr marL="3200400" indent="-330200">
-              <a:buClr>
-                <a:schemeClr val="dk1"/>
-              </a:buClr>
-              <a:buSzPts val="1600"/>
-              <a:buFont typeface="Karla"/>
-              <a:buNone/>
-              <a:defRPr sz="1600">
-                <a:solidFill>
-                  <a:schemeClr val="dk1"/>
-                </a:solidFill>
-                <a:latin typeface="Karla"/>
-                <a:ea typeface="Karla"/>
-                <a:cs typeface="Karla"/>
-                <a:sym typeface="Karla"/>
-              </a:defRPr>
-            </a:lvl7pPr>
-            <a:lvl8pPr marL="3657600" indent="-330200">
-              <a:buClr>
-                <a:schemeClr val="dk1"/>
-              </a:buClr>
-              <a:buSzPts val="1600"/>
-              <a:buFont typeface="Karla"/>
-              <a:buNone/>
-              <a:defRPr sz="1600">
-                <a:solidFill>
-                  <a:schemeClr val="dk1"/>
-                </a:solidFill>
-                <a:latin typeface="Karla"/>
-                <a:ea typeface="Karla"/>
-                <a:cs typeface="Karla"/>
-                <a:sym typeface="Karla"/>
-              </a:defRPr>
-            </a:lvl8pPr>
-            <a:lvl9pPr marL="4114800" indent="-330200">
-              <a:buClr>
-                <a:schemeClr val="dk1"/>
-              </a:buClr>
-              <a:buSzPts val="1600"/>
-              <a:buFont typeface="Karla"/>
-              <a:buNone/>
-              <a:defRPr sz="1600">
-                <a:solidFill>
-                  <a:schemeClr val="dk1"/>
-                </a:solidFill>
-                <a:latin typeface="Karla"/>
-                <a:ea typeface="Karla"/>
-                <a:cs typeface="Karla"/>
-                <a:sym typeface="Karla"/>
-              </a:defRPr>
-            </a:lvl9pPr>
-          </a:lstStyle>
-          <a:p>
-            <a:pPr marL="0" indent="0">
-              <a:buNone/>
-            </a:pPr>
-            <a:r>
-              <a:rPr lang="en-US" sz="1100" dirty="0"/>
-              <a:t>The Global Carbon Project (GCP)</a:t>
-            </a:r>
-          </a:p>
-        </p:txBody>
-      </p:sp>
-      <p:sp>
-        <p:nvSpPr>
-          <p:cNvPr id="50" name="TextBox 49">
-            <a:extLst>
-              <a:ext uri="{FF2B5EF4-FFF2-40B4-BE49-F238E27FC236}">
-                <a16:creationId xmlns:a16="http://schemas.microsoft.com/office/drawing/2014/main" id="{97D123C1-6202-B697-CFB7-AE3902EBF131}"/>
-              </a:ext>
-            </a:extLst>
-          </p:cNvPr>
-          <p:cNvSpPr txBox="1"/>
-          <p:nvPr/>
-        </p:nvSpPr>
-        <p:spPr>
-          <a:xfrm>
-            <a:off x="5356525" y="4507735"/>
-            <a:ext cx="2401123" cy="461665"/>
-          </a:xfrm>
-          <a:prstGeom prst="rect">
-            <a:avLst/>
-          </a:prstGeom>
-          <a:noFill/>
-          <a:ln>
-            <a:noFill/>
-          </a:ln>
-        </p:spPr>
-        <p:txBody>
-          <a:bodyPr spcFirstLastPara="1" wrap="square" lIns="91425" tIns="91425" rIns="91425" bIns="91425" anchor="t" anchorCtr="0">
-            <a:noAutofit/>
-          </a:bodyPr>
-          <a:lstStyle>
-            <a:defPPr marR="0" lvl="0" algn="l" rtl="0">
-              <a:lnSpc>
-                <a:spcPct val="100000"/>
-              </a:lnSpc>
-              <a:spcBef>
-                <a:spcPts val="0"/>
-              </a:spcBef>
-              <a:spcAft>
-                <a:spcPts val="0"/>
-              </a:spcAft>
-            </a:defPPr>
-            <a:lvl1pPr marL="285750" indent="-285750">
-              <a:spcAft>
-                <a:spcPts val="600"/>
-              </a:spcAft>
-              <a:buClr>
-                <a:schemeClr val="dk1"/>
-              </a:buClr>
-              <a:buSzPts val="1600"/>
-              <a:buFont typeface="Arial" panose="020B0604020202020204" pitchFamily="34" charset="0"/>
-              <a:buChar char="•"/>
-              <a:defRPr sz="1200">
-                <a:solidFill>
-                  <a:schemeClr val="dk1"/>
-                </a:solidFill>
-                <a:latin typeface="Karla"/>
-                <a:ea typeface="Karla"/>
-                <a:cs typeface="Karla"/>
-                <a:sym typeface="Karla"/>
-              </a:defRPr>
-            </a:lvl1pPr>
-            <a:lvl2pPr marL="914400" indent="-330200">
-              <a:buClr>
-                <a:schemeClr val="dk1"/>
-              </a:buClr>
-              <a:buSzPts val="1600"/>
-              <a:buFont typeface="Karla"/>
-              <a:buNone/>
-              <a:defRPr sz="1600">
-                <a:solidFill>
-                  <a:schemeClr val="dk1"/>
-                </a:solidFill>
-                <a:latin typeface="Karla"/>
-                <a:ea typeface="Karla"/>
-                <a:cs typeface="Karla"/>
-                <a:sym typeface="Karla"/>
-              </a:defRPr>
-            </a:lvl2pPr>
-            <a:lvl3pPr marL="1371600" indent="-330200">
-              <a:buClr>
-                <a:schemeClr val="dk1"/>
-              </a:buClr>
-              <a:buSzPts val="1600"/>
-              <a:buFont typeface="Karla"/>
-              <a:buNone/>
-              <a:defRPr sz="1600">
-                <a:solidFill>
-                  <a:schemeClr val="dk1"/>
-                </a:solidFill>
-                <a:latin typeface="Karla"/>
-                <a:ea typeface="Karla"/>
-                <a:cs typeface="Karla"/>
-                <a:sym typeface="Karla"/>
-              </a:defRPr>
-            </a:lvl3pPr>
-            <a:lvl4pPr marL="1828800" indent="-330200">
-              <a:buClr>
-                <a:schemeClr val="dk1"/>
-              </a:buClr>
-              <a:buSzPts val="1600"/>
-              <a:buFont typeface="Karla"/>
-              <a:buNone/>
-              <a:defRPr sz="1600">
-                <a:solidFill>
-                  <a:schemeClr val="dk1"/>
-                </a:solidFill>
-                <a:latin typeface="Karla"/>
-                <a:ea typeface="Karla"/>
-                <a:cs typeface="Karla"/>
-                <a:sym typeface="Karla"/>
-              </a:defRPr>
-            </a:lvl4pPr>
-            <a:lvl5pPr marL="2286000" indent="-330200">
-              <a:buClr>
-                <a:schemeClr val="dk1"/>
-              </a:buClr>
-              <a:buSzPts val="1600"/>
-              <a:buFont typeface="Karla"/>
-              <a:buNone/>
-              <a:defRPr sz="1600">
-                <a:solidFill>
-                  <a:schemeClr val="dk1"/>
-                </a:solidFill>
-                <a:latin typeface="Karla"/>
-                <a:ea typeface="Karla"/>
-                <a:cs typeface="Karla"/>
-                <a:sym typeface="Karla"/>
-              </a:defRPr>
-            </a:lvl5pPr>
-            <a:lvl6pPr marL="2743200" indent="-330200">
-              <a:buClr>
-                <a:schemeClr val="dk1"/>
-              </a:buClr>
-              <a:buSzPts val="1600"/>
-              <a:buFont typeface="Karla"/>
-              <a:buNone/>
-              <a:defRPr sz="1600">
-                <a:solidFill>
-                  <a:schemeClr val="dk1"/>
-                </a:solidFill>
-                <a:latin typeface="Karla"/>
-                <a:ea typeface="Karla"/>
-                <a:cs typeface="Karla"/>
-                <a:sym typeface="Karla"/>
-              </a:defRPr>
-            </a:lvl6pPr>
-            <a:lvl7pPr marL="3200400" indent="-330200">
-              <a:buClr>
-                <a:schemeClr val="dk1"/>
-              </a:buClr>
-              <a:buSzPts val="1600"/>
-              <a:buFont typeface="Karla"/>
-              <a:buNone/>
-              <a:defRPr sz="1600">
-                <a:solidFill>
-                  <a:schemeClr val="dk1"/>
-                </a:solidFill>
-                <a:latin typeface="Karla"/>
-                <a:ea typeface="Karla"/>
-                <a:cs typeface="Karla"/>
-                <a:sym typeface="Karla"/>
-              </a:defRPr>
-            </a:lvl7pPr>
-            <a:lvl8pPr marL="3657600" indent="-330200">
-              <a:buClr>
-                <a:schemeClr val="dk1"/>
-              </a:buClr>
-              <a:buSzPts val="1600"/>
-              <a:buFont typeface="Karla"/>
-              <a:buNone/>
-              <a:defRPr sz="1600">
-                <a:solidFill>
-                  <a:schemeClr val="dk1"/>
-                </a:solidFill>
-                <a:latin typeface="Karla"/>
-                <a:ea typeface="Karla"/>
-                <a:cs typeface="Karla"/>
-                <a:sym typeface="Karla"/>
-              </a:defRPr>
-            </a:lvl8pPr>
-            <a:lvl9pPr marL="4114800" indent="-330200">
-              <a:buClr>
-                <a:schemeClr val="dk1"/>
-              </a:buClr>
-              <a:buSzPts val="1600"/>
-              <a:buFont typeface="Karla"/>
-              <a:buNone/>
-              <a:defRPr sz="1600">
-                <a:solidFill>
-                  <a:schemeClr val="dk1"/>
-                </a:solidFill>
-                <a:latin typeface="Karla"/>
-                <a:ea typeface="Karla"/>
-                <a:cs typeface="Karla"/>
-                <a:sym typeface="Karla"/>
-              </a:defRPr>
-            </a:lvl9pPr>
-          </a:lstStyle>
-          <a:p>
-            <a:pPr marL="0" indent="0" algn="ctr">
-              <a:buNone/>
-            </a:pPr>
-            <a:r>
-              <a:rPr lang="en-US" sz="1100" dirty="0"/>
-              <a:t>Data World Bank</a:t>
+              <a:rPr lang="en-US" sz="1200" dirty="0"/>
+              <a:t>License: CC0 (Public Domain)</a:t>
             </a:r>
           </a:p>
         </p:txBody>
@@ -11557,7 +11011,7 @@
     </p:spTree>
     <p:extLst>
       <p:ext uri="{BB962C8B-B14F-4D97-AF65-F5344CB8AC3E}">
-        <p14:creationId xmlns:p14="http://schemas.microsoft.com/office/powerpoint/2010/main" val="1009719483"/>
+        <p14:creationId xmlns:p14="http://schemas.microsoft.com/office/powerpoint/2010/main" val="3355042764"/>
       </p:ext>
     </p:extLst>
   </p:cSld>
@@ -11620,7 +11074,15 @@
             </a:pPr>
             <a:r>
               <a:rPr lang="en" dirty="0"/>
-              <a:t>Global CO2 emissions evolution</a:t>
+              <a:t>Global CO</a:t>
+            </a:r>
+            <a:r>
+              <a:rPr lang="en" baseline="-25000" dirty="0"/>
+              <a:t>2</a:t>
+            </a:r>
+            <a:r>
+              <a:rPr lang="en" dirty="0"/>
+              <a:t> emissions evolution</a:t>
             </a:r>
             <a:endParaRPr dirty="0"/>
           </a:p>
@@ -11904,7 +11366,15 @@
             </a:pPr>
             <a:r>
               <a:rPr lang="en" dirty="0"/>
-              <a:t>Global Map of Total CO2 Emissions per capita</a:t>
+              <a:t>Global Map of Total CO</a:t>
+            </a:r>
+            <a:r>
+              <a:rPr lang="en" baseline="-25000" dirty="0"/>
+              <a:t>2</a:t>
+            </a:r>
+            <a:r>
+              <a:rPr lang="en" dirty="0"/>
+              <a:t> Emissions per capita</a:t>
             </a:r>
             <a:endParaRPr dirty="0"/>
           </a:p>
@@ -11924,6 +11394,1816 @@
 </file>
 
 <file path=ppt/slides/slide6.xml><?xml version="1.0" encoding="utf-8"?>
+<p:sld xmlns:a="http://schemas.openxmlformats.org/drawingml/2006/main" xmlns:r="http://schemas.openxmlformats.org/officeDocument/2006/relationships" xmlns:p="http://schemas.openxmlformats.org/presentationml/2006/main">
+  <p:cSld>
+    <p:spTree>
+      <p:nvGrpSpPr>
+        <p:cNvPr id="1" name="Shape 502">
+          <a:extLst>
+            <a:ext uri="{FF2B5EF4-FFF2-40B4-BE49-F238E27FC236}">
+              <a16:creationId xmlns:a16="http://schemas.microsoft.com/office/drawing/2014/main" id="{1CBC0473-B0EB-D276-E3DF-963CD95CBD1F}"/>
+            </a:ext>
+          </a:extLst>
+        </p:cNvPr>
+        <p:cNvGrpSpPr/>
+        <p:nvPr/>
+      </p:nvGrpSpPr>
+      <p:grpSpPr>
+        <a:xfrm>
+          <a:off x="0" y="0"/>
+          <a:ext cx="0" cy="0"/>
+          <a:chOff x="0" y="0"/>
+          <a:chExt cx="0" cy="0"/>
+        </a:xfrm>
+      </p:grpSpPr>
+      <p:sp>
+        <p:nvSpPr>
+          <p:cNvPr id="46" name="Rectangle: Rounded Corners 45">
+            <a:extLst>
+              <a:ext uri="{FF2B5EF4-FFF2-40B4-BE49-F238E27FC236}">
+                <a16:creationId xmlns:a16="http://schemas.microsoft.com/office/drawing/2014/main" id="{A85E3101-D3D4-7F02-83BC-79EDA86AB70E}"/>
+              </a:ext>
+            </a:extLst>
+          </p:cNvPr>
+          <p:cNvSpPr/>
+          <p:nvPr/>
+        </p:nvSpPr>
+        <p:spPr>
+          <a:xfrm>
+            <a:off x="4915761" y="1254141"/>
+            <a:ext cx="3211735" cy="3270602"/>
+          </a:xfrm>
+          <a:prstGeom prst="roundRect">
+            <a:avLst/>
+          </a:prstGeom>
+          <a:solidFill>
+            <a:srgbClr val="DBCABD"/>
+          </a:solidFill>
+          <a:ln>
+            <a:noFill/>
+          </a:ln>
+        </p:spPr>
+        <p:style>
+          <a:lnRef idx="2">
+            <a:schemeClr val="accent1">
+              <a:shade val="15000"/>
+            </a:schemeClr>
+          </a:lnRef>
+          <a:fillRef idx="1">
+            <a:schemeClr val="accent1"/>
+          </a:fillRef>
+          <a:effectRef idx="0">
+            <a:schemeClr val="accent1"/>
+          </a:effectRef>
+          <a:fontRef idx="minor">
+            <a:schemeClr val="lt1"/>
+          </a:fontRef>
+        </p:style>
+        <p:txBody>
+          <a:bodyPr rtlCol="0" anchor="ctr"/>
+          <a:lstStyle/>
+          <a:p>
+            <a:pPr algn="ctr"/>
+            <a:endParaRPr lang="en-US"/>
+          </a:p>
+        </p:txBody>
+      </p:sp>
+      <p:sp>
+        <p:nvSpPr>
+          <p:cNvPr id="32" name="Rectangle: Rounded Corners 31">
+            <a:extLst>
+              <a:ext uri="{FF2B5EF4-FFF2-40B4-BE49-F238E27FC236}">
+                <a16:creationId xmlns:a16="http://schemas.microsoft.com/office/drawing/2014/main" id="{FD135134-5B1B-51C2-84B0-B1FE80906859}"/>
+              </a:ext>
+            </a:extLst>
+          </p:cNvPr>
+          <p:cNvSpPr/>
+          <p:nvPr/>
+        </p:nvSpPr>
+        <p:spPr>
+          <a:xfrm>
+            <a:off x="966410" y="1254141"/>
+            <a:ext cx="3211735" cy="3270602"/>
+          </a:xfrm>
+          <a:prstGeom prst="roundRect">
+            <a:avLst/>
+          </a:prstGeom>
+          <a:solidFill>
+            <a:srgbClr val="DBCABD"/>
+          </a:solidFill>
+          <a:ln>
+            <a:noFill/>
+          </a:ln>
+        </p:spPr>
+        <p:style>
+          <a:lnRef idx="2">
+            <a:schemeClr val="accent1">
+              <a:shade val="15000"/>
+            </a:schemeClr>
+          </a:lnRef>
+          <a:fillRef idx="1">
+            <a:schemeClr val="accent1"/>
+          </a:fillRef>
+          <a:effectRef idx="0">
+            <a:schemeClr val="accent1"/>
+          </a:effectRef>
+          <a:fontRef idx="minor">
+            <a:schemeClr val="lt1"/>
+          </a:fontRef>
+        </p:style>
+        <p:txBody>
+          <a:bodyPr rtlCol="0" anchor="ctr"/>
+          <a:lstStyle/>
+          <a:p>
+            <a:pPr algn="ctr"/>
+            <a:endParaRPr lang="en-US"/>
+          </a:p>
+        </p:txBody>
+      </p:sp>
+      <p:sp>
+        <p:nvSpPr>
+          <p:cNvPr id="503" name="Google Shape;503;p55">
+            <a:extLst>
+              <a:ext uri="{FF2B5EF4-FFF2-40B4-BE49-F238E27FC236}">
+                <a16:creationId xmlns:a16="http://schemas.microsoft.com/office/drawing/2014/main" id="{A4D9EBDD-2E20-D08E-4730-54CB96FFD99F}"/>
+              </a:ext>
+            </a:extLst>
+          </p:cNvPr>
+          <p:cNvSpPr txBox="1">
+            <a:spLocks noGrp="1"/>
+          </p:cNvSpPr>
+          <p:nvPr>
+            <p:ph type="title"/>
+          </p:nvPr>
+        </p:nvSpPr>
+        <p:spPr>
+          <a:xfrm>
+            <a:off x="713250" y="539500"/>
+            <a:ext cx="7717500" cy="572700"/>
+          </a:xfrm>
+          <a:prstGeom prst="rect">
+            <a:avLst/>
+          </a:prstGeom>
+        </p:spPr>
+        <p:txBody>
+          <a:bodyPr spcFirstLastPara="1" wrap="square" lIns="91425" tIns="91425" rIns="91425" bIns="91425" anchor="t" anchorCtr="0">
+            <a:noAutofit/>
+          </a:bodyPr>
+          <a:lstStyle/>
+          <a:p>
+            <a:pPr marL="0" lvl="0" indent="0" algn="ctr" rtl="0">
+              <a:spcBef>
+                <a:spcPts val="0"/>
+              </a:spcBef>
+              <a:spcAft>
+                <a:spcPts val="0"/>
+              </a:spcAft>
+              <a:buNone/>
+            </a:pPr>
+            <a:r>
+              <a:rPr lang="en" dirty="0"/>
+              <a:t>Datasets</a:t>
+            </a:r>
+            <a:endParaRPr dirty="0"/>
+          </a:p>
+        </p:txBody>
+      </p:sp>
+      <p:sp>
+        <p:nvSpPr>
+          <p:cNvPr id="34" name="Google Shape;525;p56">
+            <a:extLst>
+              <a:ext uri="{FF2B5EF4-FFF2-40B4-BE49-F238E27FC236}">
+                <a16:creationId xmlns:a16="http://schemas.microsoft.com/office/drawing/2014/main" id="{801DCCFA-5E9F-7E1D-DC96-1E33B23D812E}"/>
+              </a:ext>
+            </a:extLst>
+          </p:cNvPr>
+          <p:cNvSpPr txBox="1">
+            <a:spLocks/>
+          </p:cNvSpPr>
+          <p:nvPr/>
+        </p:nvSpPr>
+        <p:spPr>
+          <a:xfrm>
+            <a:off x="1188428" y="1276815"/>
+            <a:ext cx="2937129" cy="389700"/>
+          </a:xfrm>
+          <a:prstGeom prst="rect">
+            <a:avLst/>
+          </a:prstGeom>
+          <a:noFill/>
+          <a:ln>
+            <a:noFill/>
+          </a:ln>
+        </p:spPr>
+        <p:txBody>
+          <a:bodyPr spcFirstLastPara="1" wrap="square" lIns="91425" tIns="91425" rIns="91425" bIns="91425" anchor="t" anchorCtr="0">
+            <a:noAutofit/>
+          </a:bodyPr>
+          <a:lstStyle>
+            <a:defPPr marR="0" lvl="0" algn="l" rtl="0">
+              <a:lnSpc>
+                <a:spcPct val="100000"/>
+              </a:lnSpc>
+              <a:spcBef>
+                <a:spcPts val="0"/>
+              </a:spcBef>
+              <a:spcAft>
+                <a:spcPts val="0"/>
+              </a:spcAft>
+            </a:defPPr>
+            <a:lvl1pPr marR="0" lvl="0" algn="ctr" rtl="0">
+              <a:lnSpc>
+                <a:spcPct val="100000"/>
+              </a:lnSpc>
+              <a:spcBef>
+                <a:spcPts val="0"/>
+              </a:spcBef>
+              <a:spcAft>
+                <a:spcPts val="0"/>
+              </a:spcAft>
+              <a:buClr>
+                <a:schemeClr val="dk1"/>
+              </a:buClr>
+              <a:buSzPts val="2400"/>
+              <a:buFont typeface="DM Serif Display"/>
+              <a:buNone/>
+              <a:defRPr sz="2200" b="0" i="0" u="none" strike="noStrike" cap="none">
+                <a:solidFill>
+                  <a:schemeClr val="dk1"/>
+                </a:solidFill>
+                <a:latin typeface="DM Serif Display"/>
+                <a:ea typeface="DM Serif Display"/>
+                <a:cs typeface="DM Serif Display"/>
+                <a:sym typeface="DM Serif Display"/>
+              </a:defRPr>
+            </a:lvl1pPr>
+            <a:lvl2pPr marR="0" lvl="1" algn="ctr" rtl="0">
+              <a:lnSpc>
+                <a:spcPct val="100000"/>
+              </a:lnSpc>
+              <a:spcBef>
+                <a:spcPts val="0"/>
+              </a:spcBef>
+              <a:spcAft>
+                <a:spcPts val="0"/>
+              </a:spcAft>
+              <a:buClr>
+                <a:schemeClr val="dk1"/>
+              </a:buClr>
+              <a:buSzPts val="2400"/>
+              <a:buFont typeface="DM Serif Display"/>
+              <a:buNone/>
+              <a:defRPr sz="2400" b="0" i="0" u="none" strike="noStrike" cap="none">
+                <a:solidFill>
+                  <a:schemeClr val="dk1"/>
+                </a:solidFill>
+                <a:latin typeface="DM Serif Display"/>
+                <a:ea typeface="DM Serif Display"/>
+                <a:cs typeface="DM Serif Display"/>
+                <a:sym typeface="DM Serif Display"/>
+              </a:defRPr>
+            </a:lvl2pPr>
+            <a:lvl3pPr marR="0" lvl="2" algn="ctr" rtl="0">
+              <a:lnSpc>
+                <a:spcPct val="100000"/>
+              </a:lnSpc>
+              <a:spcBef>
+                <a:spcPts val="0"/>
+              </a:spcBef>
+              <a:spcAft>
+                <a:spcPts val="0"/>
+              </a:spcAft>
+              <a:buClr>
+                <a:schemeClr val="dk1"/>
+              </a:buClr>
+              <a:buSzPts val="2400"/>
+              <a:buFont typeface="DM Serif Display"/>
+              <a:buNone/>
+              <a:defRPr sz="2400" b="0" i="0" u="none" strike="noStrike" cap="none">
+                <a:solidFill>
+                  <a:schemeClr val="dk1"/>
+                </a:solidFill>
+                <a:latin typeface="DM Serif Display"/>
+                <a:ea typeface="DM Serif Display"/>
+                <a:cs typeface="DM Serif Display"/>
+                <a:sym typeface="DM Serif Display"/>
+              </a:defRPr>
+            </a:lvl3pPr>
+            <a:lvl4pPr marR="0" lvl="3" algn="ctr" rtl="0">
+              <a:lnSpc>
+                <a:spcPct val="100000"/>
+              </a:lnSpc>
+              <a:spcBef>
+                <a:spcPts val="0"/>
+              </a:spcBef>
+              <a:spcAft>
+                <a:spcPts val="0"/>
+              </a:spcAft>
+              <a:buClr>
+                <a:schemeClr val="dk1"/>
+              </a:buClr>
+              <a:buSzPts val="2400"/>
+              <a:buFont typeface="DM Serif Display"/>
+              <a:buNone/>
+              <a:defRPr sz="2400" b="0" i="0" u="none" strike="noStrike" cap="none">
+                <a:solidFill>
+                  <a:schemeClr val="dk1"/>
+                </a:solidFill>
+                <a:latin typeface="DM Serif Display"/>
+                <a:ea typeface="DM Serif Display"/>
+                <a:cs typeface="DM Serif Display"/>
+                <a:sym typeface="DM Serif Display"/>
+              </a:defRPr>
+            </a:lvl4pPr>
+            <a:lvl5pPr marR="0" lvl="4" algn="ctr" rtl="0">
+              <a:lnSpc>
+                <a:spcPct val="100000"/>
+              </a:lnSpc>
+              <a:spcBef>
+                <a:spcPts val="0"/>
+              </a:spcBef>
+              <a:spcAft>
+                <a:spcPts val="0"/>
+              </a:spcAft>
+              <a:buClr>
+                <a:schemeClr val="dk1"/>
+              </a:buClr>
+              <a:buSzPts val="2400"/>
+              <a:buFont typeface="DM Serif Display"/>
+              <a:buNone/>
+              <a:defRPr sz="2400" b="0" i="0" u="none" strike="noStrike" cap="none">
+                <a:solidFill>
+                  <a:schemeClr val="dk1"/>
+                </a:solidFill>
+                <a:latin typeface="DM Serif Display"/>
+                <a:ea typeface="DM Serif Display"/>
+                <a:cs typeface="DM Serif Display"/>
+                <a:sym typeface="DM Serif Display"/>
+              </a:defRPr>
+            </a:lvl5pPr>
+            <a:lvl6pPr marR="0" lvl="5" algn="ctr" rtl="0">
+              <a:lnSpc>
+                <a:spcPct val="100000"/>
+              </a:lnSpc>
+              <a:spcBef>
+                <a:spcPts val="0"/>
+              </a:spcBef>
+              <a:spcAft>
+                <a:spcPts val="0"/>
+              </a:spcAft>
+              <a:buClr>
+                <a:schemeClr val="dk1"/>
+              </a:buClr>
+              <a:buSzPts val="2400"/>
+              <a:buFont typeface="DM Serif Display"/>
+              <a:buNone/>
+              <a:defRPr sz="2400" b="0" i="0" u="none" strike="noStrike" cap="none">
+                <a:solidFill>
+                  <a:schemeClr val="dk1"/>
+                </a:solidFill>
+                <a:latin typeface="DM Serif Display"/>
+                <a:ea typeface="DM Serif Display"/>
+                <a:cs typeface="DM Serif Display"/>
+                <a:sym typeface="DM Serif Display"/>
+              </a:defRPr>
+            </a:lvl6pPr>
+            <a:lvl7pPr marR="0" lvl="6" algn="ctr" rtl="0">
+              <a:lnSpc>
+                <a:spcPct val="100000"/>
+              </a:lnSpc>
+              <a:spcBef>
+                <a:spcPts val="0"/>
+              </a:spcBef>
+              <a:spcAft>
+                <a:spcPts val="0"/>
+              </a:spcAft>
+              <a:buClr>
+                <a:schemeClr val="dk1"/>
+              </a:buClr>
+              <a:buSzPts val="2400"/>
+              <a:buFont typeface="DM Serif Display"/>
+              <a:buNone/>
+              <a:defRPr sz="2400" b="0" i="0" u="none" strike="noStrike" cap="none">
+                <a:solidFill>
+                  <a:schemeClr val="dk1"/>
+                </a:solidFill>
+                <a:latin typeface="DM Serif Display"/>
+                <a:ea typeface="DM Serif Display"/>
+                <a:cs typeface="DM Serif Display"/>
+                <a:sym typeface="DM Serif Display"/>
+              </a:defRPr>
+            </a:lvl7pPr>
+            <a:lvl8pPr marR="0" lvl="7" algn="ctr" rtl="0">
+              <a:lnSpc>
+                <a:spcPct val="100000"/>
+              </a:lnSpc>
+              <a:spcBef>
+                <a:spcPts val="0"/>
+              </a:spcBef>
+              <a:spcAft>
+                <a:spcPts val="0"/>
+              </a:spcAft>
+              <a:buClr>
+                <a:schemeClr val="dk1"/>
+              </a:buClr>
+              <a:buSzPts val="2400"/>
+              <a:buFont typeface="DM Serif Display"/>
+              <a:buNone/>
+              <a:defRPr sz="2400" b="0" i="0" u="none" strike="noStrike" cap="none">
+                <a:solidFill>
+                  <a:schemeClr val="dk1"/>
+                </a:solidFill>
+                <a:latin typeface="DM Serif Display"/>
+                <a:ea typeface="DM Serif Display"/>
+                <a:cs typeface="DM Serif Display"/>
+                <a:sym typeface="DM Serif Display"/>
+              </a:defRPr>
+            </a:lvl8pPr>
+            <a:lvl9pPr marR="0" lvl="8" algn="ctr" rtl="0">
+              <a:lnSpc>
+                <a:spcPct val="100000"/>
+              </a:lnSpc>
+              <a:spcBef>
+                <a:spcPts val="0"/>
+              </a:spcBef>
+              <a:spcAft>
+                <a:spcPts val="0"/>
+              </a:spcAft>
+              <a:buClr>
+                <a:schemeClr val="dk1"/>
+              </a:buClr>
+              <a:buSzPts val="2400"/>
+              <a:buFont typeface="DM Serif Display"/>
+              <a:buNone/>
+              <a:defRPr sz="2400" b="0" i="0" u="none" strike="noStrike" cap="none">
+                <a:solidFill>
+                  <a:schemeClr val="dk1"/>
+                </a:solidFill>
+                <a:latin typeface="DM Serif Display"/>
+                <a:ea typeface="DM Serif Display"/>
+                <a:cs typeface="DM Serif Display"/>
+                <a:sym typeface="DM Serif Display"/>
+              </a:defRPr>
+            </a:lvl9pPr>
+          </a:lstStyle>
+          <a:p>
+            <a:r>
+              <a:rPr lang="en-US" sz="2000" dirty="0"/>
+              <a:t>Emissions by Country</a:t>
+            </a:r>
+          </a:p>
+        </p:txBody>
+      </p:sp>
+      <p:sp>
+        <p:nvSpPr>
+          <p:cNvPr id="35" name="Google Shape;531;p56">
+            <a:extLst>
+              <a:ext uri="{FF2B5EF4-FFF2-40B4-BE49-F238E27FC236}">
+                <a16:creationId xmlns:a16="http://schemas.microsoft.com/office/drawing/2014/main" id="{84752272-CB12-9BE6-5503-B01F37936606}"/>
+              </a:ext>
+            </a:extLst>
+          </p:cNvPr>
+          <p:cNvSpPr txBox="1">
+            <a:spLocks noGrp="1"/>
+          </p:cNvSpPr>
+          <p:nvPr>
+            <p:ph type="subTitle" idx="1"/>
+          </p:nvPr>
+        </p:nvSpPr>
+        <p:spPr>
+          <a:xfrm>
+            <a:off x="1295350" y="1753915"/>
+            <a:ext cx="2447100" cy="2695261"/>
+          </a:xfrm>
+          <a:prstGeom prst="rect">
+            <a:avLst/>
+          </a:prstGeom>
+        </p:spPr>
+        <p:txBody>
+          <a:bodyPr spcFirstLastPara="1" wrap="square" lIns="91425" tIns="91425" rIns="91425" bIns="91425" anchor="t" anchorCtr="0">
+            <a:noAutofit/>
+          </a:bodyPr>
+          <a:lstStyle/>
+          <a:p>
+            <a:pPr marL="285750" lvl="0" indent="-285750" algn="l" rtl="0">
+              <a:spcBef>
+                <a:spcPts val="0"/>
+              </a:spcBef>
+              <a:spcAft>
+                <a:spcPts val="600"/>
+              </a:spcAft>
+              <a:buFont typeface="Arial" panose="020B0604020202020204" pitchFamily="34" charset="0"/>
+              <a:buChar char="•"/>
+            </a:pPr>
+            <a:r>
+              <a:rPr lang="en" sz="1200" dirty="0"/>
+              <a:t>Country</a:t>
+            </a:r>
+          </a:p>
+          <a:p>
+            <a:pPr marL="285750" lvl="0" indent="-285750" algn="l" rtl="0">
+              <a:spcBef>
+                <a:spcPts val="0"/>
+              </a:spcBef>
+              <a:spcAft>
+                <a:spcPts val="600"/>
+              </a:spcAft>
+              <a:buFont typeface="Arial" panose="020B0604020202020204" pitchFamily="34" charset="0"/>
+              <a:buChar char="•"/>
+            </a:pPr>
+            <a:r>
+              <a:rPr lang="en" sz="1200" dirty="0"/>
+              <a:t>Year (1750-2021)</a:t>
+            </a:r>
+          </a:p>
+          <a:p>
+            <a:pPr marL="285750" lvl="0" indent="-285750" algn="l" rtl="0">
+              <a:spcBef>
+                <a:spcPts val="0"/>
+              </a:spcBef>
+              <a:spcAft>
+                <a:spcPts val="600"/>
+              </a:spcAft>
+              <a:buFont typeface="Arial" panose="020B0604020202020204" pitchFamily="34" charset="0"/>
+              <a:buChar char="•"/>
+            </a:pPr>
+            <a:r>
+              <a:rPr lang="en" sz="1200" dirty="0"/>
+              <a:t>Total CO</a:t>
+            </a:r>
+            <a:r>
+              <a:rPr lang="en" sz="1200" baseline="-25000" dirty="0"/>
+              <a:t>2</a:t>
+            </a:r>
+            <a:r>
+              <a:rPr lang="en" sz="1200" dirty="0"/>
+              <a:t> emissions</a:t>
+            </a:r>
+          </a:p>
+          <a:p>
+            <a:pPr marL="285750" lvl="0" indent="-285750" algn="l" rtl="0">
+              <a:spcBef>
+                <a:spcPts val="0"/>
+              </a:spcBef>
+              <a:spcAft>
+                <a:spcPts val="600"/>
+              </a:spcAft>
+              <a:buFont typeface="Arial" panose="020B0604020202020204" pitchFamily="34" charset="0"/>
+              <a:buChar char="•"/>
+            </a:pPr>
+            <a:r>
+              <a:rPr lang="en" sz="1200" dirty="0"/>
+              <a:t>Coal</a:t>
+            </a:r>
+          </a:p>
+          <a:p>
+            <a:pPr marL="285750" lvl="0" indent="-285750" algn="l" rtl="0">
+              <a:spcBef>
+                <a:spcPts val="0"/>
+              </a:spcBef>
+              <a:spcAft>
+                <a:spcPts val="600"/>
+              </a:spcAft>
+              <a:buFont typeface="Arial" panose="020B0604020202020204" pitchFamily="34" charset="0"/>
+              <a:buChar char="•"/>
+            </a:pPr>
+            <a:r>
+              <a:rPr lang="en" sz="1200" dirty="0"/>
+              <a:t>Oil</a:t>
+            </a:r>
+          </a:p>
+          <a:p>
+            <a:pPr marL="285750" lvl="0" indent="-285750" algn="l" rtl="0">
+              <a:spcBef>
+                <a:spcPts val="0"/>
+              </a:spcBef>
+              <a:spcAft>
+                <a:spcPts val="600"/>
+              </a:spcAft>
+              <a:buFont typeface="Arial" panose="020B0604020202020204" pitchFamily="34" charset="0"/>
+              <a:buChar char="•"/>
+            </a:pPr>
+            <a:r>
+              <a:rPr lang="en" sz="1200" dirty="0"/>
+              <a:t>Gas</a:t>
+            </a:r>
+          </a:p>
+          <a:p>
+            <a:pPr marL="285750" lvl="0" indent="-285750" algn="l" rtl="0">
+              <a:spcBef>
+                <a:spcPts val="0"/>
+              </a:spcBef>
+              <a:spcAft>
+                <a:spcPts val="600"/>
+              </a:spcAft>
+              <a:buFont typeface="Arial" panose="020B0604020202020204" pitchFamily="34" charset="0"/>
+              <a:buChar char="•"/>
+            </a:pPr>
+            <a:r>
+              <a:rPr lang="en" sz="1200" dirty="0"/>
+              <a:t>Cement</a:t>
+            </a:r>
+          </a:p>
+          <a:p>
+            <a:pPr marL="285750" lvl="0" indent="-285750" algn="l" rtl="0">
+              <a:spcBef>
+                <a:spcPts val="0"/>
+              </a:spcBef>
+              <a:spcAft>
+                <a:spcPts val="600"/>
+              </a:spcAft>
+              <a:buFont typeface="Arial" panose="020B0604020202020204" pitchFamily="34" charset="0"/>
+              <a:buChar char="•"/>
+            </a:pPr>
+            <a:r>
+              <a:rPr lang="en" sz="1200" dirty="0"/>
+              <a:t>Flaring</a:t>
+            </a:r>
+          </a:p>
+          <a:p>
+            <a:pPr marL="285750" lvl="0" indent="-285750" algn="l" rtl="0">
+              <a:spcBef>
+                <a:spcPts val="0"/>
+              </a:spcBef>
+              <a:spcAft>
+                <a:spcPts val="600"/>
+              </a:spcAft>
+              <a:buFont typeface="Arial" panose="020B0604020202020204" pitchFamily="34" charset="0"/>
+              <a:buChar char="•"/>
+            </a:pPr>
+            <a:r>
+              <a:rPr lang="en" sz="1200" dirty="0"/>
+              <a:t>Others</a:t>
+            </a:r>
+          </a:p>
+          <a:p>
+            <a:pPr marL="285750" lvl="0" indent="-285750" algn="l" rtl="0">
+              <a:spcBef>
+                <a:spcPts val="0"/>
+              </a:spcBef>
+              <a:spcAft>
+                <a:spcPts val="600"/>
+              </a:spcAft>
+              <a:buFont typeface="Arial" panose="020B0604020202020204" pitchFamily="34" charset="0"/>
+              <a:buChar char="•"/>
+            </a:pPr>
+            <a:r>
+              <a:rPr lang="en" sz="1200" dirty="0"/>
+              <a:t>Per Capita</a:t>
+            </a:r>
+          </a:p>
+        </p:txBody>
+      </p:sp>
+      <p:sp>
+        <p:nvSpPr>
+          <p:cNvPr id="36" name="Google Shape;525;p56">
+            <a:extLst>
+              <a:ext uri="{FF2B5EF4-FFF2-40B4-BE49-F238E27FC236}">
+                <a16:creationId xmlns:a16="http://schemas.microsoft.com/office/drawing/2014/main" id="{5BDB10FC-97F9-1E3E-DEFA-F0AB5D014698}"/>
+              </a:ext>
+            </a:extLst>
+          </p:cNvPr>
+          <p:cNvSpPr txBox="1">
+            <a:spLocks/>
+          </p:cNvSpPr>
+          <p:nvPr/>
+        </p:nvSpPr>
+        <p:spPr>
+          <a:xfrm>
+            <a:off x="5298078" y="1279514"/>
+            <a:ext cx="2447101" cy="389700"/>
+          </a:xfrm>
+          <a:prstGeom prst="rect">
+            <a:avLst/>
+          </a:prstGeom>
+          <a:noFill/>
+          <a:ln>
+            <a:noFill/>
+          </a:ln>
+        </p:spPr>
+        <p:txBody>
+          <a:bodyPr spcFirstLastPara="1" wrap="square" lIns="91425" tIns="91425" rIns="91425" bIns="91425" anchor="t" anchorCtr="0">
+            <a:noAutofit/>
+          </a:bodyPr>
+          <a:lstStyle>
+            <a:defPPr marR="0" lvl="0" algn="l" rtl="0">
+              <a:lnSpc>
+                <a:spcPct val="100000"/>
+              </a:lnSpc>
+              <a:spcBef>
+                <a:spcPts val="0"/>
+              </a:spcBef>
+              <a:spcAft>
+                <a:spcPts val="0"/>
+              </a:spcAft>
+            </a:defPPr>
+            <a:lvl1pPr marR="0" lvl="0" algn="ctr" rtl="0">
+              <a:lnSpc>
+                <a:spcPct val="100000"/>
+              </a:lnSpc>
+              <a:spcBef>
+                <a:spcPts val="0"/>
+              </a:spcBef>
+              <a:spcAft>
+                <a:spcPts val="0"/>
+              </a:spcAft>
+              <a:buClr>
+                <a:schemeClr val="dk1"/>
+              </a:buClr>
+              <a:buSzPts val="2400"/>
+              <a:buFont typeface="DM Serif Display"/>
+              <a:buNone/>
+              <a:defRPr sz="2200" b="0" i="0" u="none" strike="noStrike" cap="none">
+                <a:solidFill>
+                  <a:schemeClr val="dk1"/>
+                </a:solidFill>
+                <a:latin typeface="DM Serif Display"/>
+                <a:ea typeface="DM Serif Display"/>
+                <a:cs typeface="DM Serif Display"/>
+                <a:sym typeface="DM Serif Display"/>
+              </a:defRPr>
+            </a:lvl1pPr>
+            <a:lvl2pPr marR="0" lvl="1" algn="ctr" rtl="0">
+              <a:lnSpc>
+                <a:spcPct val="100000"/>
+              </a:lnSpc>
+              <a:spcBef>
+                <a:spcPts val="0"/>
+              </a:spcBef>
+              <a:spcAft>
+                <a:spcPts val="0"/>
+              </a:spcAft>
+              <a:buClr>
+                <a:schemeClr val="dk1"/>
+              </a:buClr>
+              <a:buSzPts val="2400"/>
+              <a:buFont typeface="DM Serif Display"/>
+              <a:buNone/>
+              <a:defRPr sz="2400" b="0" i="0" u="none" strike="noStrike" cap="none">
+                <a:solidFill>
+                  <a:schemeClr val="dk1"/>
+                </a:solidFill>
+                <a:latin typeface="DM Serif Display"/>
+                <a:ea typeface="DM Serif Display"/>
+                <a:cs typeface="DM Serif Display"/>
+                <a:sym typeface="DM Serif Display"/>
+              </a:defRPr>
+            </a:lvl2pPr>
+            <a:lvl3pPr marR="0" lvl="2" algn="ctr" rtl="0">
+              <a:lnSpc>
+                <a:spcPct val="100000"/>
+              </a:lnSpc>
+              <a:spcBef>
+                <a:spcPts val="0"/>
+              </a:spcBef>
+              <a:spcAft>
+                <a:spcPts val="0"/>
+              </a:spcAft>
+              <a:buClr>
+                <a:schemeClr val="dk1"/>
+              </a:buClr>
+              <a:buSzPts val="2400"/>
+              <a:buFont typeface="DM Serif Display"/>
+              <a:buNone/>
+              <a:defRPr sz="2400" b="0" i="0" u="none" strike="noStrike" cap="none">
+                <a:solidFill>
+                  <a:schemeClr val="dk1"/>
+                </a:solidFill>
+                <a:latin typeface="DM Serif Display"/>
+                <a:ea typeface="DM Serif Display"/>
+                <a:cs typeface="DM Serif Display"/>
+                <a:sym typeface="DM Serif Display"/>
+              </a:defRPr>
+            </a:lvl3pPr>
+            <a:lvl4pPr marR="0" lvl="3" algn="ctr" rtl="0">
+              <a:lnSpc>
+                <a:spcPct val="100000"/>
+              </a:lnSpc>
+              <a:spcBef>
+                <a:spcPts val="0"/>
+              </a:spcBef>
+              <a:spcAft>
+                <a:spcPts val="0"/>
+              </a:spcAft>
+              <a:buClr>
+                <a:schemeClr val="dk1"/>
+              </a:buClr>
+              <a:buSzPts val="2400"/>
+              <a:buFont typeface="DM Serif Display"/>
+              <a:buNone/>
+              <a:defRPr sz="2400" b="0" i="0" u="none" strike="noStrike" cap="none">
+                <a:solidFill>
+                  <a:schemeClr val="dk1"/>
+                </a:solidFill>
+                <a:latin typeface="DM Serif Display"/>
+                <a:ea typeface="DM Serif Display"/>
+                <a:cs typeface="DM Serif Display"/>
+                <a:sym typeface="DM Serif Display"/>
+              </a:defRPr>
+            </a:lvl4pPr>
+            <a:lvl5pPr marR="0" lvl="4" algn="ctr" rtl="0">
+              <a:lnSpc>
+                <a:spcPct val="100000"/>
+              </a:lnSpc>
+              <a:spcBef>
+                <a:spcPts val="0"/>
+              </a:spcBef>
+              <a:spcAft>
+                <a:spcPts val="0"/>
+              </a:spcAft>
+              <a:buClr>
+                <a:schemeClr val="dk1"/>
+              </a:buClr>
+              <a:buSzPts val="2400"/>
+              <a:buFont typeface="DM Serif Display"/>
+              <a:buNone/>
+              <a:defRPr sz="2400" b="0" i="0" u="none" strike="noStrike" cap="none">
+                <a:solidFill>
+                  <a:schemeClr val="dk1"/>
+                </a:solidFill>
+                <a:latin typeface="DM Serif Display"/>
+                <a:ea typeface="DM Serif Display"/>
+                <a:cs typeface="DM Serif Display"/>
+                <a:sym typeface="DM Serif Display"/>
+              </a:defRPr>
+            </a:lvl5pPr>
+            <a:lvl6pPr marR="0" lvl="5" algn="ctr" rtl="0">
+              <a:lnSpc>
+                <a:spcPct val="100000"/>
+              </a:lnSpc>
+              <a:spcBef>
+                <a:spcPts val="0"/>
+              </a:spcBef>
+              <a:spcAft>
+                <a:spcPts val="0"/>
+              </a:spcAft>
+              <a:buClr>
+                <a:schemeClr val="dk1"/>
+              </a:buClr>
+              <a:buSzPts val="2400"/>
+              <a:buFont typeface="DM Serif Display"/>
+              <a:buNone/>
+              <a:defRPr sz="2400" b="0" i="0" u="none" strike="noStrike" cap="none">
+                <a:solidFill>
+                  <a:schemeClr val="dk1"/>
+                </a:solidFill>
+                <a:latin typeface="DM Serif Display"/>
+                <a:ea typeface="DM Serif Display"/>
+                <a:cs typeface="DM Serif Display"/>
+                <a:sym typeface="DM Serif Display"/>
+              </a:defRPr>
+            </a:lvl6pPr>
+            <a:lvl7pPr marR="0" lvl="6" algn="ctr" rtl="0">
+              <a:lnSpc>
+                <a:spcPct val="100000"/>
+              </a:lnSpc>
+              <a:spcBef>
+                <a:spcPts val="0"/>
+              </a:spcBef>
+              <a:spcAft>
+                <a:spcPts val="0"/>
+              </a:spcAft>
+              <a:buClr>
+                <a:schemeClr val="dk1"/>
+              </a:buClr>
+              <a:buSzPts val="2400"/>
+              <a:buFont typeface="DM Serif Display"/>
+              <a:buNone/>
+              <a:defRPr sz="2400" b="0" i="0" u="none" strike="noStrike" cap="none">
+                <a:solidFill>
+                  <a:schemeClr val="dk1"/>
+                </a:solidFill>
+                <a:latin typeface="DM Serif Display"/>
+                <a:ea typeface="DM Serif Display"/>
+                <a:cs typeface="DM Serif Display"/>
+                <a:sym typeface="DM Serif Display"/>
+              </a:defRPr>
+            </a:lvl7pPr>
+            <a:lvl8pPr marR="0" lvl="7" algn="ctr" rtl="0">
+              <a:lnSpc>
+                <a:spcPct val="100000"/>
+              </a:lnSpc>
+              <a:spcBef>
+                <a:spcPts val="0"/>
+              </a:spcBef>
+              <a:spcAft>
+                <a:spcPts val="0"/>
+              </a:spcAft>
+              <a:buClr>
+                <a:schemeClr val="dk1"/>
+              </a:buClr>
+              <a:buSzPts val="2400"/>
+              <a:buFont typeface="DM Serif Display"/>
+              <a:buNone/>
+              <a:defRPr sz="2400" b="0" i="0" u="none" strike="noStrike" cap="none">
+                <a:solidFill>
+                  <a:schemeClr val="dk1"/>
+                </a:solidFill>
+                <a:latin typeface="DM Serif Display"/>
+                <a:ea typeface="DM Serif Display"/>
+                <a:cs typeface="DM Serif Display"/>
+                <a:sym typeface="DM Serif Display"/>
+              </a:defRPr>
+            </a:lvl8pPr>
+            <a:lvl9pPr marR="0" lvl="8" algn="ctr" rtl="0">
+              <a:lnSpc>
+                <a:spcPct val="100000"/>
+              </a:lnSpc>
+              <a:spcBef>
+                <a:spcPts val="0"/>
+              </a:spcBef>
+              <a:spcAft>
+                <a:spcPts val="0"/>
+              </a:spcAft>
+              <a:buClr>
+                <a:schemeClr val="dk1"/>
+              </a:buClr>
+              <a:buSzPts val="2400"/>
+              <a:buFont typeface="DM Serif Display"/>
+              <a:buNone/>
+              <a:defRPr sz="2400" b="0" i="0" u="none" strike="noStrike" cap="none">
+                <a:solidFill>
+                  <a:schemeClr val="dk1"/>
+                </a:solidFill>
+                <a:latin typeface="DM Serif Display"/>
+                <a:ea typeface="DM Serif Display"/>
+                <a:cs typeface="DM Serif Display"/>
+                <a:sym typeface="DM Serif Display"/>
+              </a:defRPr>
+            </a:lvl9pPr>
+          </a:lstStyle>
+          <a:p>
+            <a:r>
+              <a:rPr lang="en-US" sz="2000" dirty="0"/>
+              <a:t>World, Region, Country GDP</a:t>
+            </a:r>
+          </a:p>
+        </p:txBody>
+      </p:sp>
+      <p:sp>
+        <p:nvSpPr>
+          <p:cNvPr id="37" name="Google Shape;531;p56">
+            <a:extLst>
+              <a:ext uri="{FF2B5EF4-FFF2-40B4-BE49-F238E27FC236}">
+                <a16:creationId xmlns:a16="http://schemas.microsoft.com/office/drawing/2014/main" id="{FFFEBB2D-38EC-9149-3823-88CF2DD8A439}"/>
+              </a:ext>
+            </a:extLst>
+          </p:cNvPr>
+          <p:cNvSpPr txBox="1">
+            <a:spLocks/>
+          </p:cNvSpPr>
+          <p:nvPr/>
+        </p:nvSpPr>
+        <p:spPr>
+          <a:xfrm>
+            <a:off x="5333537" y="2016147"/>
+            <a:ext cx="2447100" cy="2587853"/>
+          </a:xfrm>
+          <a:prstGeom prst="rect">
+            <a:avLst/>
+          </a:prstGeom>
+          <a:noFill/>
+          <a:ln>
+            <a:noFill/>
+          </a:ln>
+        </p:spPr>
+        <p:txBody>
+          <a:bodyPr spcFirstLastPara="1" wrap="square" lIns="91425" tIns="91425" rIns="91425" bIns="91425" anchor="t" anchorCtr="0">
+            <a:noAutofit/>
+          </a:bodyPr>
+          <a:lstStyle>
+            <a:defPPr marR="0" lvl="0" algn="l" rtl="0">
+              <a:lnSpc>
+                <a:spcPct val="100000"/>
+              </a:lnSpc>
+              <a:spcBef>
+                <a:spcPts val="0"/>
+              </a:spcBef>
+              <a:spcAft>
+                <a:spcPts val="0"/>
+              </a:spcAft>
+            </a:defPPr>
+            <a:lvl1pPr marL="285750" indent="-285750">
+              <a:spcAft>
+                <a:spcPts val="600"/>
+              </a:spcAft>
+              <a:buClr>
+                <a:schemeClr val="dk1"/>
+              </a:buClr>
+              <a:buSzPts val="1600"/>
+              <a:buFont typeface="Arial" panose="020B0604020202020204" pitchFamily="34" charset="0"/>
+              <a:buChar char="•"/>
+              <a:defRPr sz="1600">
+                <a:solidFill>
+                  <a:schemeClr val="dk1"/>
+                </a:solidFill>
+                <a:latin typeface="Karla"/>
+                <a:ea typeface="Karla"/>
+                <a:cs typeface="Karla"/>
+                <a:sym typeface="Karla"/>
+              </a:defRPr>
+            </a:lvl1pPr>
+            <a:lvl2pPr marL="914400" indent="-330200">
+              <a:buClr>
+                <a:schemeClr val="dk1"/>
+              </a:buClr>
+              <a:buSzPts val="1600"/>
+              <a:buFont typeface="Karla"/>
+              <a:buNone/>
+              <a:defRPr sz="1600">
+                <a:solidFill>
+                  <a:schemeClr val="dk1"/>
+                </a:solidFill>
+                <a:latin typeface="Karla"/>
+                <a:ea typeface="Karla"/>
+                <a:cs typeface="Karla"/>
+                <a:sym typeface="Karla"/>
+              </a:defRPr>
+            </a:lvl2pPr>
+            <a:lvl3pPr marL="1371600" indent="-330200">
+              <a:buClr>
+                <a:schemeClr val="dk1"/>
+              </a:buClr>
+              <a:buSzPts val="1600"/>
+              <a:buFont typeface="Karla"/>
+              <a:buNone/>
+              <a:defRPr sz="1600">
+                <a:solidFill>
+                  <a:schemeClr val="dk1"/>
+                </a:solidFill>
+                <a:latin typeface="Karla"/>
+                <a:ea typeface="Karla"/>
+                <a:cs typeface="Karla"/>
+                <a:sym typeface="Karla"/>
+              </a:defRPr>
+            </a:lvl3pPr>
+            <a:lvl4pPr marL="1828800" indent="-330200">
+              <a:buClr>
+                <a:schemeClr val="dk1"/>
+              </a:buClr>
+              <a:buSzPts val="1600"/>
+              <a:buFont typeface="Karla"/>
+              <a:buNone/>
+              <a:defRPr sz="1600">
+                <a:solidFill>
+                  <a:schemeClr val="dk1"/>
+                </a:solidFill>
+                <a:latin typeface="Karla"/>
+                <a:ea typeface="Karla"/>
+                <a:cs typeface="Karla"/>
+                <a:sym typeface="Karla"/>
+              </a:defRPr>
+            </a:lvl4pPr>
+            <a:lvl5pPr marL="2286000" indent="-330200">
+              <a:buClr>
+                <a:schemeClr val="dk1"/>
+              </a:buClr>
+              <a:buSzPts val="1600"/>
+              <a:buFont typeface="Karla"/>
+              <a:buNone/>
+              <a:defRPr sz="1600">
+                <a:solidFill>
+                  <a:schemeClr val="dk1"/>
+                </a:solidFill>
+                <a:latin typeface="Karla"/>
+                <a:ea typeface="Karla"/>
+                <a:cs typeface="Karla"/>
+                <a:sym typeface="Karla"/>
+              </a:defRPr>
+            </a:lvl5pPr>
+            <a:lvl6pPr marL="2743200" indent="-330200">
+              <a:buClr>
+                <a:schemeClr val="dk1"/>
+              </a:buClr>
+              <a:buSzPts val="1600"/>
+              <a:buFont typeface="Karla"/>
+              <a:buNone/>
+              <a:defRPr sz="1600">
+                <a:solidFill>
+                  <a:schemeClr val="dk1"/>
+                </a:solidFill>
+                <a:latin typeface="Karla"/>
+                <a:ea typeface="Karla"/>
+                <a:cs typeface="Karla"/>
+                <a:sym typeface="Karla"/>
+              </a:defRPr>
+            </a:lvl6pPr>
+            <a:lvl7pPr marL="3200400" indent="-330200">
+              <a:buClr>
+                <a:schemeClr val="dk1"/>
+              </a:buClr>
+              <a:buSzPts val="1600"/>
+              <a:buFont typeface="Karla"/>
+              <a:buNone/>
+              <a:defRPr sz="1600">
+                <a:solidFill>
+                  <a:schemeClr val="dk1"/>
+                </a:solidFill>
+                <a:latin typeface="Karla"/>
+                <a:ea typeface="Karla"/>
+                <a:cs typeface="Karla"/>
+                <a:sym typeface="Karla"/>
+              </a:defRPr>
+            </a:lvl7pPr>
+            <a:lvl8pPr marL="3657600" indent="-330200">
+              <a:buClr>
+                <a:schemeClr val="dk1"/>
+              </a:buClr>
+              <a:buSzPts val="1600"/>
+              <a:buFont typeface="Karla"/>
+              <a:buNone/>
+              <a:defRPr sz="1600">
+                <a:solidFill>
+                  <a:schemeClr val="dk1"/>
+                </a:solidFill>
+                <a:latin typeface="Karla"/>
+                <a:ea typeface="Karla"/>
+                <a:cs typeface="Karla"/>
+                <a:sym typeface="Karla"/>
+              </a:defRPr>
+            </a:lvl8pPr>
+            <a:lvl9pPr marL="4114800" indent="-330200">
+              <a:buClr>
+                <a:schemeClr val="dk1"/>
+              </a:buClr>
+              <a:buSzPts val="1600"/>
+              <a:buFont typeface="Karla"/>
+              <a:buNone/>
+              <a:defRPr sz="1600">
+                <a:solidFill>
+                  <a:schemeClr val="dk1"/>
+                </a:solidFill>
+                <a:latin typeface="Karla"/>
+                <a:ea typeface="Karla"/>
+                <a:cs typeface="Karla"/>
+                <a:sym typeface="Karla"/>
+              </a:defRPr>
+            </a:lvl9pPr>
+          </a:lstStyle>
+          <a:p>
+            <a:r>
+              <a:rPr lang="en-US" sz="1400" dirty="0"/>
+              <a:t>Country</a:t>
+            </a:r>
+          </a:p>
+          <a:p>
+            <a:r>
+              <a:rPr lang="en-US" sz="1400" dirty="0"/>
+              <a:t>Year (1960-2021)</a:t>
+            </a:r>
+          </a:p>
+          <a:p>
+            <a:r>
+              <a:rPr lang="en-US" sz="1400" dirty="0"/>
+              <a:t>GDP_USD</a:t>
+            </a:r>
+          </a:p>
+          <a:p>
+            <a:endParaRPr lang="en-US" sz="1400" dirty="0"/>
+          </a:p>
+        </p:txBody>
+      </p:sp>
+      <p:sp>
+        <p:nvSpPr>
+          <p:cNvPr id="41" name="TextBox 40">
+            <a:extLst>
+              <a:ext uri="{FF2B5EF4-FFF2-40B4-BE49-F238E27FC236}">
+                <a16:creationId xmlns:a16="http://schemas.microsoft.com/office/drawing/2014/main" id="{55FF67C8-1C93-AEF0-B778-4C8B02FA8638}"/>
+              </a:ext>
+            </a:extLst>
+          </p:cNvPr>
+          <p:cNvSpPr txBox="1"/>
+          <p:nvPr/>
+        </p:nvSpPr>
+        <p:spPr>
+          <a:xfrm>
+            <a:off x="3056753" y="4750290"/>
+            <a:ext cx="3030494" cy="306717"/>
+          </a:xfrm>
+          <a:prstGeom prst="rect">
+            <a:avLst/>
+          </a:prstGeom>
+          <a:noFill/>
+          <a:ln>
+            <a:noFill/>
+          </a:ln>
+        </p:spPr>
+        <p:txBody>
+          <a:bodyPr spcFirstLastPara="1" wrap="square" lIns="91425" tIns="91425" rIns="91425" bIns="91425" anchor="t" anchorCtr="0">
+            <a:noAutofit/>
+          </a:bodyPr>
+          <a:lstStyle>
+            <a:defPPr marR="0" lvl="0" algn="l" rtl="0">
+              <a:lnSpc>
+                <a:spcPct val="100000"/>
+              </a:lnSpc>
+              <a:spcBef>
+                <a:spcPts val="0"/>
+              </a:spcBef>
+              <a:spcAft>
+                <a:spcPts val="0"/>
+              </a:spcAft>
+            </a:defPPr>
+            <a:lvl1pPr marL="285750" indent="-285750">
+              <a:spcAft>
+                <a:spcPts val="1200"/>
+              </a:spcAft>
+              <a:buClr>
+                <a:schemeClr val="dk1"/>
+              </a:buClr>
+              <a:buSzPts val="1600"/>
+              <a:buFont typeface="Arial" panose="020B0604020202020204" pitchFamily="34" charset="0"/>
+              <a:buChar char="•"/>
+              <a:defRPr sz="1600">
+                <a:solidFill>
+                  <a:schemeClr val="dk1"/>
+                </a:solidFill>
+                <a:latin typeface="Karla"/>
+                <a:ea typeface="Karla"/>
+                <a:cs typeface="Karla"/>
+                <a:sym typeface="Karla"/>
+              </a:defRPr>
+            </a:lvl1pPr>
+            <a:lvl2pPr marL="914400" indent="-330200">
+              <a:buClr>
+                <a:schemeClr val="dk1"/>
+              </a:buClr>
+              <a:buSzPts val="1600"/>
+              <a:buFont typeface="Karla"/>
+              <a:buNone/>
+              <a:defRPr sz="1600">
+                <a:solidFill>
+                  <a:schemeClr val="dk1"/>
+                </a:solidFill>
+                <a:latin typeface="Karla"/>
+                <a:ea typeface="Karla"/>
+                <a:cs typeface="Karla"/>
+                <a:sym typeface="Karla"/>
+              </a:defRPr>
+            </a:lvl2pPr>
+            <a:lvl3pPr marL="1371600" indent="-330200">
+              <a:buClr>
+                <a:schemeClr val="dk1"/>
+              </a:buClr>
+              <a:buSzPts val="1600"/>
+              <a:buFont typeface="Karla"/>
+              <a:buNone/>
+              <a:defRPr sz="1600">
+                <a:solidFill>
+                  <a:schemeClr val="dk1"/>
+                </a:solidFill>
+                <a:latin typeface="Karla"/>
+                <a:ea typeface="Karla"/>
+                <a:cs typeface="Karla"/>
+                <a:sym typeface="Karla"/>
+              </a:defRPr>
+            </a:lvl3pPr>
+            <a:lvl4pPr marL="1828800" indent="-330200">
+              <a:buClr>
+                <a:schemeClr val="dk1"/>
+              </a:buClr>
+              <a:buSzPts val="1600"/>
+              <a:buFont typeface="Karla"/>
+              <a:buNone/>
+              <a:defRPr sz="1600">
+                <a:solidFill>
+                  <a:schemeClr val="dk1"/>
+                </a:solidFill>
+                <a:latin typeface="Karla"/>
+                <a:ea typeface="Karla"/>
+                <a:cs typeface="Karla"/>
+                <a:sym typeface="Karla"/>
+              </a:defRPr>
+            </a:lvl4pPr>
+            <a:lvl5pPr marL="2286000" indent="-330200">
+              <a:buClr>
+                <a:schemeClr val="dk1"/>
+              </a:buClr>
+              <a:buSzPts val="1600"/>
+              <a:buFont typeface="Karla"/>
+              <a:buNone/>
+              <a:defRPr sz="1600">
+                <a:solidFill>
+                  <a:schemeClr val="dk1"/>
+                </a:solidFill>
+                <a:latin typeface="Karla"/>
+                <a:ea typeface="Karla"/>
+                <a:cs typeface="Karla"/>
+                <a:sym typeface="Karla"/>
+              </a:defRPr>
+            </a:lvl5pPr>
+            <a:lvl6pPr marL="2743200" indent="-330200">
+              <a:buClr>
+                <a:schemeClr val="dk1"/>
+              </a:buClr>
+              <a:buSzPts val="1600"/>
+              <a:buFont typeface="Karla"/>
+              <a:buNone/>
+              <a:defRPr sz="1600">
+                <a:solidFill>
+                  <a:schemeClr val="dk1"/>
+                </a:solidFill>
+                <a:latin typeface="Karla"/>
+                <a:ea typeface="Karla"/>
+                <a:cs typeface="Karla"/>
+                <a:sym typeface="Karla"/>
+              </a:defRPr>
+            </a:lvl6pPr>
+            <a:lvl7pPr marL="3200400" indent="-330200">
+              <a:buClr>
+                <a:schemeClr val="dk1"/>
+              </a:buClr>
+              <a:buSzPts val="1600"/>
+              <a:buFont typeface="Karla"/>
+              <a:buNone/>
+              <a:defRPr sz="1600">
+                <a:solidFill>
+                  <a:schemeClr val="dk1"/>
+                </a:solidFill>
+                <a:latin typeface="Karla"/>
+                <a:ea typeface="Karla"/>
+                <a:cs typeface="Karla"/>
+                <a:sym typeface="Karla"/>
+              </a:defRPr>
+            </a:lvl7pPr>
+            <a:lvl8pPr marL="3657600" indent="-330200">
+              <a:buClr>
+                <a:schemeClr val="dk1"/>
+              </a:buClr>
+              <a:buSzPts val="1600"/>
+              <a:buFont typeface="Karla"/>
+              <a:buNone/>
+              <a:defRPr sz="1600">
+                <a:solidFill>
+                  <a:schemeClr val="dk1"/>
+                </a:solidFill>
+                <a:latin typeface="Karla"/>
+                <a:ea typeface="Karla"/>
+                <a:cs typeface="Karla"/>
+                <a:sym typeface="Karla"/>
+              </a:defRPr>
+            </a:lvl8pPr>
+            <a:lvl9pPr marL="4114800" indent="-330200">
+              <a:buClr>
+                <a:schemeClr val="dk1"/>
+              </a:buClr>
+              <a:buSzPts val="1600"/>
+              <a:buFont typeface="Karla"/>
+              <a:buNone/>
+              <a:defRPr sz="1600">
+                <a:solidFill>
+                  <a:schemeClr val="dk1"/>
+                </a:solidFill>
+                <a:latin typeface="Karla"/>
+                <a:ea typeface="Karla"/>
+                <a:cs typeface="Karla"/>
+                <a:sym typeface="Karla"/>
+              </a:defRPr>
+            </a:lvl9pPr>
+          </a:lstStyle>
+          <a:p>
+            <a:pPr marL="0" indent="0">
+              <a:buNone/>
+            </a:pPr>
+            <a:r>
+              <a:rPr lang="en-US" dirty="0"/>
+              <a:t>Licenses: CC0 (Public Domain)</a:t>
+            </a:r>
+          </a:p>
+        </p:txBody>
+      </p:sp>
+      <p:sp>
+        <p:nvSpPr>
+          <p:cNvPr id="49" name="TextBox 48">
+            <a:extLst>
+              <a:ext uri="{FF2B5EF4-FFF2-40B4-BE49-F238E27FC236}">
+                <a16:creationId xmlns:a16="http://schemas.microsoft.com/office/drawing/2014/main" id="{3DEDB933-BAA7-E23B-D286-720D98C34A6B}"/>
+              </a:ext>
+            </a:extLst>
+          </p:cNvPr>
+          <p:cNvSpPr txBox="1"/>
+          <p:nvPr/>
+        </p:nvSpPr>
+        <p:spPr>
+          <a:xfrm>
+            <a:off x="1456430" y="4507735"/>
+            <a:ext cx="2401123" cy="461665"/>
+          </a:xfrm>
+          <a:prstGeom prst="rect">
+            <a:avLst/>
+          </a:prstGeom>
+          <a:noFill/>
+          <a:ln>
+            <a:noFill/>
+          </a:ln>
+        </p:spPr>
+        <p:txBody>
+          <a:bodyPr spcFirstLastPara="1" wrap="square" lIns="91425" tIns="91425" rIns="91425" bIns="91425" anchor="t" anchorCtr="0">
+            <a:noAutofit/>
+          </a:bodyPr>
+          <a:lstStyle>
+            <a:defPPr marR="0" lvl="0" algn="l" rtl="0">
+              <a:lnSpc>
+                <a:spcPct val="100000"/>
+              </a:lnSpc>
+              <a:spcBef>
+                <a:spcPts val="0"/>
+              </a:spcBef>
+              <a:spcAft>
+                <a:spcPts val="0"/>
+              </a:spcAft>
+            </a:defPPr>
+            <a:lvl1pPr marL="285750" indent="-285750">
+              <a:spcAft>
+                <a:spcPts val="600"/>
+              </a:spcAft>
+              <a:buClr>
+                <a:schemeClr val="dk1"/>
+              </a:buClr>
+              <a:buSzPts val="1600"/>
+              <a:buFont typeface="Arial" panose="020B0604020202020204" pitchFamily="34" charset="0"/>
+              <a:buChar char="•"/>
+              <a:defRPr sz="1200">
+                <a:solidFill>
+                  <a:schemeClr val="dk1"/>
+                </a:solidFill>
+                <a:latin typeface="Karla"/>
+                <a:ea typeface="Karla"/>
+                <a:cs typeface="Karla"/>
+                <a:sym typeface="Karla"/>
+              </a:defRPr>
+            </a:lvl1pPr>
+            <a:lvl2pPr marL="914400" indent="-330200">
+              <a:buClr>
+                <a:schemeClr val="dk1"/>
+              </a:buClr>
+              <a:buSzPts val="1600"/>
+              <a:buFont typeface="Karla"/>
+              <a:buNone/>
+              <a:defRPr sz="1600">
+                <a:solidFill>
+                  <a:schemeClr val="dk1"/>
+                </a:solidFill>
+                <a:latin typeface="Karla"/>
+                <a:ea typeface="Karla"/>
+                <a:cs typeface="Karla"/>
+                <a:sym typeface="Karla"/>
+              </a:defRPr>
+            </a:lvl2pPr>
+            <a:lvl3pPr marL="1371600" indent="-330200">
+              <a:buClr>
+                <a:schemeClr val="dk1"/>
+              </a:buClr>
+              <a:buSzPts val="1600"/>
+              <a:buFont typeface="Karla"/>
+              <a:buNone/>
+              <a:defRPr sz="1600">
+                <a:solidFill>
+                  <a:schemeClr val="dk1"/>
+                </a:solidFill>
+                <a:latin typeface="Karla"/>
+                <a:ea typeface="Karla"/>
+                <a:cs typeface="Karla"/>
+                <a:sym typeface="Karla"/>
+              </a:defRPr>
+            </a:lvl3pPr>
+            <a:lvl4pPr marL="1828800" indent="-330200">
+              <a:buClr>
+                <a:schemeClr val="dk1"/>
+              </a:buClr>
+              <a:buSzPts val="1600"/>
+              <a:buFont typeface="Karla"/>
+              <a:buNone/>
+              <a:defRPr sz="1600">
+                <a:solidFill>
+                  <a:schemeClr val="dk1"/>
+                </a:solidFill>
+                <a:latin typeface="Karla"/>
+                <a:ea typeface="Karla"/>
+                <a:cs typeface="Karla"/>
+                <a:sym typeface="Karla"/>
+              </a:defRPr>
+            </a:lvl4pPr>
+            <a:lvl5pPr marL="2286000" indent="-330200">
+              <a:buClr>
+                <a:schemeClr val="dk1"/>
+              </a:buClr>
+              <a:buSzPts val="1600"/>
+              <a:buFont typeface="Karla"/>
+              <a:buNone/>
+              <a:defRPr sz="1600">
+                <a:solidFill>
+                  <a:schemeClr val="dk1"/>
+                </a:solidFill>
+                <a:latin typeface="Karla"/>
+                <a:ea typeface="Karla"/>
+                <a:cs typeface="Karla"/>
+                <a:sym typeface="Karla"/>
+              </a:defRPr>
+            </a:lvl5pPr>
+            <a:lvl6pPr marL="2743200" indent="-330200">
+              <a:buClr>
+                <a:schemeClr val="dk1"/>
+              </a:buClr>
+              <a:buSzPts val="1600"/>
+              <a:buFont typeface="Karla"/>
+              <a:buNone/>
+              <a:defRPr sz="1600">
+                <a:solidFill>
+                  <a:schemeClr val="dk1"/>
+                </a:solidFill>
+                <a:latin typeface="Karla"/>
+                <a:ea typeface="Karla"/>
+                <a:cs typeface="Karla"/>
+                <a:sym typeface="Karla"/>
+              </a:defRPr>
+            </a:lvl6pPr>
+            <a:lvl7pPr marL="3200400" indent="-330200">
+              <a:buClr>
+                <a:schemeClr val="dk1"/>
+              </a:buClr>
+              <a:buSzPts val="1600"/>
+              <a:buFont typeface="Karla"/>
+              <a:buNone/>
+              <a:defRPr sz="1600">
+                <a:solidFill>
+                  <a:schemeClr val="dk1"/>
+                </a:solidFill>
+                <a:latin typeface="Karla"/>
+                <a:ea typeface="Karla"/>
+                <a:cs typeface="Karla"/>
+                <a:sym typeface="Karla"/>
+              </a:defRPr>
+            </a:lvl7pPr>
+            <a:lvl8pPr marL="3657600" indent="-330200">
+              <a:buClr>
+                <a:schemeClr val="dk1"/>
+              </a:buClr>
+              <a:buSzPts val="1600"/>
+              <a:buFont typeface="Karla"/>
+              <a:buNone/>
+              <a:defRPr sz="1600">
+                <a:solidFill>
+                  <a:schemeClr val="dk1"/>
+                </a:solidFill>
+                <a:latin typeface="Karla"/>
+                <a:ea typeface="Karla"/>
+                <a:cs typeface="Karla"/>
+                <a:sym typeface="Karla"/>
+              </a:defRPr>
+            </a:lvl8pPr>
+            <a:lvl9pPr marL="4114800" indent="-330200">
+              <a:buClr>
+                <a:schemeClr val="dk1"/>
+              </a:buClr>
+              <a:buSzPts val="1600"/>
+              <a:buFont typeface="Karla"/>
+              <a:buNone/>
+              <a:defRPr sz="1600">
+                <a:solidFill>
+                  <a:schemeClr val="dk1"/>
+                </a:solidFill>
+                <a:latin typeface="Karla"/>
+                <a:ea typeface="Karla"/>
+                <a:cs typeface="Karla"/>
+                <a:sym typeface="Karla"/>
+              </a:defRPr>
+            </a:lvl9pPr>
+          </a:lstStyle>
+          <a:p>
+            <a:pPr marL="0" indent="0">
+              <a:buNone/>
+            </a:pPr>
+            <a:r>
+              <a:rPr lang="en-US" sz="1100" dirty="0"/>
+              <a:t>The Global Carbon Project (GCP)</a:t>
+            </a:r>
+          </a:p>
+        </p:txBody>
+      </p:sp>
+      <p:sp>
+        <p:nvSpPr>
+          <p:cNvPr id="50" name="TextBox 49">
+            <a:extLst>
+              <a:ext uri="{FF2B5EF4-FFF2-40B4-BE49-F238E27FC236}">
+                <a16:creationId xmlns:a16="http://schemas.microsoft.com/office/drawing/2014/main" id="{97D123C1-6202-B697-CFB7-AE3902EBF131}"/>
+              </a:ext>
+            </a:extLst>
+          </p:cNvPr>
+          <p:cNvSpPr txBox="1"/>
+          <p:nvPr/>
+        </p:nvSpPr>
+        <p:spPr>
+          <a:xfrm>
+            <a:off x="5356525" y="4507735"/>
+            <a:ext cx="2401123" cy="461665"/>
+          </a:xfrm>
+          <a:prstGeom prst="rect">
+            <a:avLst/>
+          </a:prstGeom>
+          <a:noFill/>
+          <a:ln>
+            <a:noFill/>
+          </a:ln>
+        </p:spPr>
+        <p:txBody>
+          <a:bodyPr spcFirstLastPara="1" wrap="square" lIns="91425" tIns="91425" rIns="91425" bIns="91425" anchor="t" anchorCtr="0">
+            <a:noAutofit/>
+          </a:bodyPr>
+          <a:lstStyle>
+            <a:defPPr marR="0" lvl="0" algn="l" rtl="0">
+              <a:lnSpc>
+                <a:spcPct val="100000"/>
+              </a:lnSpc>
+              <a:spcBef>
+                <a:spcPts val="0"/>
+              </a:spcBef>
+              <a:spcAft>
+                <a:spcPts val="0"/>
+              </a:spcAft>
+            </a:defPPr>
+            <a:lvl1pPr marL="285750" indent="-285750">
+              <a:spcAft>
+                <a:spcPts val="600"/>
+              </a:spcAft>
+              <a:buClr>
+                <a:schemeClr val="dk1"/>
+              </a:buClr>
+              <a:buSzPts val="1600"/>
+              <a:buFont typeface="Arial" panose="020B0604020202020204" pitchFamily="34" charset="0"/>
+              <a:buChar char="•"/>
+              <a:defRPr sz="1200">
+                <a:solidFill>
+                  <a:schemeClr val="dk1"/>
+                </a:solidFill>
+                <a:latin typeface="Karla"/>
+                <a:ea typeface="Karla"/>
+                <a:cs typeface="Karla"/>
+                <a:sym typeface="Karla"/>
+              </a:defRPr>
+            </a:lvl1pPr>
+            <a:lvl2pPr marL="914400" indent="-330200">
+              <a:buClr>
+                <a:schemeClr val="dk1"/>
+              </a:buClr>
+              <a:buSzPts val="1600"/>
+              <a:buFont typeface="Karla"/>
+              <a:buNone/>
+              <a:defRPr sz="1600">
+                <a:solidFill>
+                  <a:schemeClr val="dk1"/>
+                </a:solidFill>
+                <a:latin typeface="Karla"/>
+                <a:ea typeface="Karla"/>
+                <a:cs typeface="Karla"/>
+                <a:sym typeface="Karla"/>
+              </a:defRPr>
+            </a:lvl2pPr>
+            <a:lvl3pPr marL="1371600" indent="-330200">
+              <a:buClr>
+                <a:schemeClr val="dk1"/>
+              </a:buClr>
+              <a:buSzPts val="1600"/>
+              <a:buFont typeface="Karla"/>
+              <a:buNone/>
+              <a:defRPr sz="1600">
+                <a:solidFill>
+                  <a:schemeClr val="dk1"/>
+                </a:solidFill>
+                <a:latin typeface="Karla"/>
+                <a:ea typeface="Karla"/>
+                <a:cs typeface="Karla"/>
+                <a:sym typeface="Karla"/>
+              </a:defRPr>
+            </a:lvl3pPr>
+            <a:lvl4pPr marL="1828800" indent="-330200">
+              <a:buClr>
+                <a:schemeClr val="dk1"/>
+              </a:buClr>
+              <a:buSzPts val="1600"/>
+              <a:buFont typeface="Karla"/>
+              <a:buNone/>
+              <a:defRPr sz="1600">
+                <a:solidFill>
+                  <a:schemeClr val="dk1"/>
+                </a:solidFill>
+                <a:latin typeface="Karla"/>
+                <a:ea typeface="Karla"/>
+                <a:cs typeface="Karla"/>
+                <a:sym typeface="Karla"/>
+              </a:defRPr>
+            </a:lvl4pPr>
+            <a:lvl5pPr marL="2286000" indent="-330200">
+              <a:buClr>
+                <a:schemeClr val="dk1"/>
+              </a:buClr>
+              <a:buSzPts val="1600"/>
+              <a:buFont typeface="Karla"/>
+              <a:buNone/>
+              <a:defRPr sz="1600">
+                <a:solidFill>
+                  <a:schemeClr val="dk1"/>
+                </a:solidFill>
+                <a:latin typeface="Karla"/>
+                <a:ea typeface="Karla"/>
+                <a:cs typeface="Karla"/>
+                <a:sym typeface="Karla"/>
+              </a:defRPr>
+            </a:lvl5pPr>
+            <a:lvl6pPr marL="2743200" indent="-330200">
+              <a:buClr>
+                <a:schemeClr val="dk1"/>
+              </a:buClr>
+              <a:buSzPts val="1600"/>
+              <a:buFont typeface="Karla"/>
+              <a:buNone/>
+              <a:defRPr sz="1600">
+                <a:solidFill>
+                  <a:schemeClr val="dk1"/>
+                </a:solidFill>
+                <a:latin typeface="Karla"/>
+                <a:ea typeface="Karla"/>
+                <a:cs typeface="Karla"/>
+                <a:sym typeface="Karla"/>
+              </a:defRPr>
+            </a:lvl6pPr>
+            <a:lvl7pPr marL="3200400" indent="-330200">
+              <a:buClr>
+                <a:schemeClr val="dk1"/>
+              </a:buClr>
+              <a:buSzPts val="1600"/>
+              <a:buFont typeface="Karla"/>
+              <a:buNone/>
+              <a:defRPr sz="1600">
+                <a:solidFill>
+                  <a:schemeClr val="dk1"/>
+                </a:solidFill>
+                <a:latin typeface="Karla"/>
+                <a:ea typeface="Karla"/>
+                <a:cs typeface="Karla"/>
+                <a:sym typeface="Karla"/>
+              </a:defRPr>
+            </a:lvl7pPr>
+            <a:lvl8pPr marL="3657600" indent="-330200">
+              <a:buClr>
+                <a:schemeClr val="dk1"/>
+              </a:buClr>
+              <a:buSzPts val="1600"/>
+              <a:buFont typeface="Karla"/>
+              <a:buNone/>
+              <a:defRPr sz="1600">
+                <a:solidFill>
+                  <a:schemeClr val="dk1"/>
+                </a:solidFill>
+                <a:latin typeface="Karla"/>
+                <a:ea typeface="Karla"/>
+                <a:cs typeface="Karla"/>
+                <a:sym typeface="Karla"/>
+              </a:defRPr>
+            </a:lvl8pPr>
+            <a:lvl9pPr marL="4114800" indent="-330200">
+              <a:buClr>
+                <a:schemeClr val="dk1"/>
+              </a:buClr>
+              <a:buSzPts val="1600"/>
+              <a:buFont typeface="Karla"/>
+              <a:buNone/>
+              <a:defRPr sz="1600">
+                <a:solidFill>
+                  <a:schemeClr val="dk1"/>
+                </a:solidFill>
+                <a:latin typeface="Karla"/>
+                <a:ea typeface="Karla"/>
+                <a:cs typeface="Karla"/>
+                <a:sym typeface="Karla"/>
+              </a:defRPr>
+            </a:lvl9pPr>
+          </a:lstStyle>
+          <a:p>
+            <a:pPr marL="0" indent="0" algn="ctr">
+              <a:buNone/>
+            </a:pPr>
+            <a:r>
+              <a:rPr lang="en-US" sz="1100" dirty="0"/>
+              <a:t>Data World Bank</a:t>
+            </a:r>
+          </a:p>
+        </p:txBody>
+      </p:sp>
+    </p:spTree>
+    <p:extLst>
+      <p:ext uri="{BB962C8B-B14F-4D97-AF65-F5344CB8AC3E}">
+        <p14:creationId xmlns:p14="http://schemas.microsoft.com/office/powerpoint/2010/main" val="1009719483"/>
+      </p:ext>
+    </p:extLst>
+  </p:cSld>
+  <p:clrMapOvr>
+    <a:masterClrMapping/>
+  </p:clrMapOvr>
+</p:sld>
+</file>
+
+<file path=ppt/slides/slide7.xml><?xml version="1.0" encoding="utf-8"?>
 <p:sld xmlns:a="http://schemas.openxmlformats.org/drawingml/2006/main" xmlns:r="http://schemas.openxmlformats.org/officeDocument/2006/relationships" xmlns:p="http://schemas.openxmlformats.org/presentationml/2006/main">
   <p:cSld>
     <p:spTree>
@@ -11993,7 +13273,15 @@
             </a:pPr>
             <a:r>
               <a:rPr lang="en" dirty="0"/>
-              <a:t>Comparison of GDP and CO2 Emissions</a:t>
+              <a:t>Comparison of GDP and CO</a:t>
+            </a:r>
+            <a:r>
+              <a:rPr lang="en" baseline="-25000" dirty="0"/>
+              <a:t>2</a:t>
+            </a:r>
+            <a:r>
+              <a:rPr lang="en" dirty="0"/>
+              <a:t> Emissions</a:t>
             </a:r>
             <a:endParaRPr dirty="0"/>
           </a:p>
@@ -12041,7 +13329,7 @@
 </p:sld>
 </file>
 
-<file path=ppt/slides/slide7.xml><?xml version="1.0" encoding="utf-8"?>
+<file path=ppt/slides/slide8.xml><?xml version="1.0" encoding="utf-8"?>
 <p:sld xmlns:a="http://schemas.openxmlformats.org/drawingml/2006/main" xmlns:r="http://schemas.openxmlformats.org/officeDocument/2006/relationships" xmlns:p="http://schemas.openxmlformats.org/presentationml/2006/main">
   <p:cSld>
     <p:spTree>
@@ -12106,7 +13394,15 @@
             </a:pPr>
             <a:r>
               <a:rPr lang="en" dirty="0"/>
-              <a:t>Top 10 CO2 Emitting Countries</a:t>
+              <a:t>Top 10 CO</a:t>
+            </a:r>
+            <a:r>
+              <a:rPr lang="en" baseline="-25000" dirty="0"/>
+              <a:t>2</a:t>
+            </a:r>
+            <a:r>
+              <a:rPr lang="en" dirty="0"/>
+              <a:t> Emitting Countries</a:t>
             </a:r>
             <a:endParaRPr dirty="0"/>
           </a:p>
@@ -12154,7 +13450,7 @@
 </p:sld>
 </file>
 
-<file path=ppt/slides/slide8.xml><?xml version="1.0" encoding="utf-8"?>
+<file path=ppt/slides/slide9.xml><?xml version="1.0" encoding="utf-8"?>
 <p:sld xmlns:a="http://schemas.openxmlformats.org/drawingml/2006/main" xmlns:r="http://schemas.openxmlformats.org/officeDocument/2006/relationships" xmlns:p="http://schemas.openxmlformats.org/presentationml/2006/main">
   <p:cSld>
     <p:spTree>
@@ -12219,7 +13515,15 @@
             </a:pPr>
             <a:r>
               <a:rPr lang="en" dirty="0"/>
-              <a:t>GDP vs CO2 Emissions</a:t>
+              <a:t>GDP vs CO</a:t>
+            </a:r>
+            <a:r>
+              <a:rPr lang="en" baseline="-25000" dirty="0"/>
+              <a:t>2</a:t>
+            </a:r>
+            <a:r>
+              <a:rPr lang="en" dirty="0"/>
+              <a:t> Emissions</a:t>
             </a:r>
             <a:endParaRPr dirty="0"/>
           </a:p>
@@ -12887,94 +14191,6 @@
         <p14:creationId xmlns:p14="http://schemas.microsoft.com/office/powerpoint/2010/main" val="2731859426"/>
       </p:ext>
     </p:extLst>
-  </p:cSld>
-  <p:clrMapOvr>
-    <a:masterClrMapping/>
-  </p:clrMapOvr>
-</p:sld>
-</file>
-
-<file path=ppt/slides/slide9.xml><?xml version="1.0" encoding="utf-8"?>
-<p:sld xmlns:a="http://schemas.openxmlformats.org/drawingml/2006/main" xmlns:r="http://schemas.openxmlformats.org/officeDocument/2006/relationships" xmlns:p="http://schemas.openxmlformats.org/presentationml/2006/main">
-  <p:cSld>
-    <p:spTree>
-      <p:nvGrpSpPr>
-        <p:cNvPr id="1" name="Shape 539"/>
-        <p:cNvGrpSpPr/>
-        <p:nvPr/>
-      </p:nvGrpSpPr>
-      <p:grpSpPr>
-        <a:xfrm>
-          <a:off x="0" y="0"/>
-          <a:ext cx="0" cy="0"/>
-          <a:chOff x="0" y="0"/>
-          <a:chExt cx="0" cy="0"/>
-        </a:xfrm>
-      </p:grpSpPr>
-      <p:sp>
-        <p:nvSpPr>
-          <p:cNvPr id="10" name="Title 9">
-            <a:extLst>
-              <a:ext uri="{FF2B5EF4-FFF2-40B4-BE49-F238E27FC236}">
-                <a16:creationId xmlns:a16="http://schemas.microsoft.com/office/drawing/2014/main" id="{4CE97C82-850A-EBB6-A8B5-80B52B1814DF}"/>
-              </a:ext>
-            </a:extLst>
-          </p:cNvPr>
-          <p:cNvSpPr>
-            <a:spLocks noGrp="1"/>
-          </p:cNvSpPr>
-          <p:nvPr>
-            <p:ph type="title"/>
-          </p:nvPr>
-        </p:nvSpPr>
-        <p:spPr>
-          <a:xfrm>
-            <a:off x="2683650" y="1121469"/>
-            <a:ext cx="3776700" cy="649200"/>
-          </a:xfrm>
-        </p:spPr>
-        <p:txBody>
-          <a:bodyPr/>
-          <a:lstStyle/>
-          <a:p>
-            <a:r>
-              <a:rPr lang="en-US" sz="3600" dirty="0"/>
-              <a:t>[Unity Demo]</a:t>
-            </a:r>
-          </a:p>
-        </p:txBody>
-      </p:sp>
-      <p:pic>
-        <p:nvPicPr>
-          <p:cNvPr id="13" name="Picture 12">
-            <a:extLst>
-              <a:ext uri="{FF2B5EF4-FFF2-40B4-BE49-F238E27FC236}">
-                <a16:creationId xmlns:a16="http://schemas.microsoft.com/office/drawing/2014/main" id="{4C3D8EF7-B533-649A-D6DA-DC2135A3A29B}"/>
-              </a:ext>
-            </a:extLst>
-          </p:cNvPr>
-          <p:cNvPicPr>
-            <a:picLocks noChangeAspect="1"/>
-          </p:cNvPicPr>
-          <p:nvPr/>
-        </p:nvPicPr>
-        <p:blipFill>
-          <a:blip r:embed="rId3"/>
-          <a:stretch>
-            <a:fillRect/>
-          </a:stretch>
-        </p:blipFill>
-        <p:spPr>
-          <a:xfrm>
-            <a:off x="2839983" y="2183982"/>
-            <a:ext cx="3464034" cy="2328508"/>
-          </a:xfrm>
-          <a:prstGeom prst="rect">
-            <a:avLst/>
-          </a:prstGeom>
-        </p:spPr>
-      </p:pic>
-    </p:spTree>
   </p:cSld>
   <p:clrMapOvr>
     <a:masterClrMapping/>
